--- a/Apresentacao LTI.pptx
+++ b/Apresentacao LTI.pptx
@@ -222,7 +222,7 @@
           <a:p>
             <a:fld id="{8250BEC5-A7F2-420A-A24E-D4730097B2C4}" type="datetimeFigureOut">
               <a:rPr lang="en-US" smtClean="0"/>
-              <a:t>4/12/2018</a:t>
+              <a:t>4/13/2018</a:t>
             </a:fld>
             <a:endParaRPr lang="en-US"/>
           </a:p>
@@ -508,7 +508,7 @@
       </p:grpSpPr>
       <p:sp>
         <p:nvSpPr>
-          <p:cNvPr id="2" name="Slide Image Placeholder 1"/>
+          <p:cNvPr id="2" name="Marcador de Posição da Imagem do Diapositivo 1"/>
           <p:cNvSpPr>
             <a:spLocks noGrp="1" noRot="1" noChangeAspect="1"/>
           </p:cNvSpPr>
@@ -520,7 +520,7 @@
       </p:sp>
       <p:sp>
         <p:nvSpPr>
-          <p:cNvPr id="3" name="Notes Placeholder 2"/>
+          <p:cNvPr id="3" name="Marcador de Posição de Notas 2"/>
           <p:cNvSpPr>
             <a:spLocks noGrp="1"/>
           </p:cNvSpPr>
@@ -533,13 +533,13 @@
           <a:bodyPr/>
           <a:lstStyle/>
           <a:p>
-            <a:endParaRPr lang="en-US" dirty="0"/>
-          </a:p>
-        </p:txBody>
-      </p:sp>
-      <p:sp>
-        <p:nvSpPr>
-          <p:cNvPr id="4" name="Slide Number Placeholder 3"/>
+            <a:endParaRPr lang="pt-PT" dirty="0"/>
+          </a:p>
+        </p:txBody>
+      </p:sp>
+      <p:sp>
+        <p:nvSpPr>
+          <p:cNvPr id="4" name="Marcador de Posição do Número do Diapositivo 3"/>
           <p:cNvSpPr>
             <a:spLocks noGrp="1"/>
           </p:cNvSpPr>
@@ -554,7 +554,7 @@
           <a:p>
             <a:fld id="{CE5B2236-5FA5-4D65-A293-E7125BD065DA}" type="slidenum">
               <a:rPr lang="en-US" smtClean="0"/>
-              <a:t>2</a:t>
+              <a:t>1</a:t>
             </a:fld>
             <a:endParaRPr lang="en-US"/>
           </a:p>
@@ -563,7 +563,7 @@
     </p:spTree>
     <p:extLst>
       <p:ext uri="{BB962C8B-B14F-4D97-AF65-F5344CB8AC3E}">
-        <p14:creationId xmlns:p14="http://schemas.microsoft.com/office/powerpoint/2010/main" val="2989175929"/>
+        <p14:creationId xmlns:p14="http://schemas.microsoft.com/office/powerpoint/2010/main" val="1524448971"/>
       </p:ext>
     </p:extLst>
   </p:cSld>
@@ -617,15 +617,7 @@
           <a:bodyPr/>
           <a:lstStyle/>
           <a:p>
-            <a:endParaRPr lang="en-US" sz="1200" kern="1200" dirty="0">
-              <a:solidFill>
-                <a:schemeClr val="tx1"/>
-              </a:solidFill>
-              <a:effectLst/>
-              <a:latin typeface="+mn-lt"/>
-              <a:ea typeface="+mn-ea"/>
-              <a:cs typeface="+mn-cs"/>
-            </a:endParaRPr>
+            <a:endParaRPr lang="en-US" dirty="0"/>
           </a:p>
         </p:txBody>
       </p:sp>
@@ -646,7 +638,7 @@
           <a:p>
             <a:fld id="{CE5B2236-5FA5-4D65-A293-E7125BD065DA}" type="slidenum">
               <a:rPr lang="en-US" smtClean="0"/>
-              <a:t>3</a:t>
+              <a:t>2</a:t>
             </a:fld>
             <a:endParaRPr lang="en-US"/>
           </a:p>
@@ -655,7 +647,7 @@
     </p:spTree>
     <p:extLst>
       <p:ext uri="{BB962C8B-B14F-4D97-AF65-F5344CB8AC3E}">
-        <p14:creationId xmlns:p14="http://schemas.microsoft.com/office/powerpoint/2010/main" val="3537085550"/>
+        <p14:creationId xmlns:p14="http://schemas.microsoft.com/office/powerpoint/2010/main" val="2989175929"/>
       </p:ext>
     </p:extLst>
   </p:cSld>
@@ -709,7 +701,15 @@
           <a:bodyPr/>
           <a:lstStyle/>
           <a:p>
-            <a:endParaRPr lang="en-US" dirty="0"/>
+            <a:endParaRPr lang="en-US" sz="1200" kern="1200" dirty="0">
+              <a:solidFill>
+                <a:schemeClr val="tx1"/>
+              </a:solidFill>
+              <a:effectLst/>
+              <a:latin typeface="+mn-lt"/>
+              <a:ea typeface="+mn-ea"/>
+              <a:cs typeface="+mn-cs"/>
+            </a:endParaRPr>
           </a:p>
         </p:txBody>
       </p:sp>
@@ -730,7 +730,7 @@
           <a:p>
             <a:fld id="{CE5B2236-5FA5-4D65-A293-E7125BD065DA}" type="slidenum">
               <a:rPr lang="en-US" smtClean="0"/>
-              <a:t>4</a:t>
+              <a:t>3</a:t>
             </a:fld>
             <a:endParaRPr lang="en-US"/>
           </a:p>
@@ -739,7 +739,7 @@
     </p:spTree>
     <p:extLst>
       <p:ext uri="{BB962C8B-B14F-4D97-AF65-F5344CB8AC3E}">
-        <p14:creationId xmlns:p14="http://schemas.microsoft.com/office/powerpoint/2010/main" val="3394101285"/>
+        <p14:creationId xmlns:p14="http://schemas.microsoft.com/office/powerpoint/2010/main" val="3537085550"/>
       </p:ext>
     </p:extLst>
   </p:cSld>
@@ -793,32 +793,7 @@
           <a:bodyPr/>
           <a:lstStyle/>
           <a:p>
-            <a:pPr marL="0" marR="0" lvl="0" indent="0" algn="l" defTabSz="914400" rtl="0" eaLnBrk="1" fontAlgn="auto" latinLnBrk="0" hangingPunct="1">
-              <a:lnSpc>
-                <a:spcPct val="100000"/>
-              </a:lnSpc>
-              <a:spcBef>
-                <a:spcPts val="0"/>
-              </a:spcBef>
-              <a:spcAft>
-                <a:spcPts val="0"/>
-              </a:spcAft>
-              <a:buClrTx/>
-              <a:buSzTx/>
-              <a:buFontTx/>
-              <a:buNone/>
-              <a:tabLst/>
-              <a:defRPr/>
-            </a:pPr>
-            <a:endParaRPr lang="en-US" sz="1200" kern="1200" dirty="0">
-              <a:solidFill>
-                <a:schemeClr val="tx1"/>
-              </a:solidFill>
-              <a:effectLst/>
-              <a:latin typeface="+mn-lt"/>
-              <a:ea typeface="+mn-ea"/>
-              <a:cs typeface="+mn-cs"/>
-            </a:endParaRPr>
+            <a:endParaRPr lang="en-US" dirty="0"/>
           </a:p>
         </p:txBody>
       </p:sp>
@@ -839,7 +814,7 @@
           <a:p>
             <a:fld id="{CE5B2236-5FA5-4D65-A293-E7125BD065DA}" type="slidenum">
               <a:rPr lang="en-US" smtClean="0"/>
-              <a:t>5</a:t>
+              <a:t>4</a:t>
             </a:fld>
             <a:endParaRPr lang="en-US"/>
           </a:p>
@@ -848,7 +823,7 @@
     </p:spTree>
     <p:extLst>
       <p:ext uri="{BB962C8B-B14F-4D97-AF65-F5344CB8AC3E}">
-        <p14:creationId xmlns:p14="http://schemas.microsoft.com/office/powerpoint/2010/main" val="717937550"/>
+        <p14:creationId xmlns:p14="http://schemas.microsoft.com/office/powerpoint/2010/main" val="3394101285"/>
       </p:ext>
     </p:extLst>
   </p:cSld>
@@ -902,7 +877,32 @@
           <a:bodyPr/>
           <a:lstStyle/>
           <a:p>
-            <a:endParaRPr lang="en-US" dirty="0"/>
+            <a:pPr marL="0" marR="0" lvl="0" indent="0" algn="l" defTabSz="914400" rtl="0" eaLnBrk="1" fontAlgn="auto" latinLnBrk="0" hangingPunct="1">
+              <a:lnSpc>
+                <a:spcPct val="100000"/>
+              </a:lnSpc>
+              <a:spcBef>
+                <a:spcPts val="0"/>
+              </a:spcBef>
+              <a:spcAft>
+                <a:spcPts val="0"/>
+              </a:spcAft>
+              <a:buClrTx/>
+              <a:buSzTx/>
+              <a:buFontTx/>
+              <a:buNone/>
+              <a:tabLst/>
+              <a:defRPr/>
+            </a:pPr>
+            <a:endParaRPr lang="en-US" sz="1200" kern="1200" dirty="0">
+              <a:solidFill>
+                <a:schemeClr val="tx1"/>
+              </a:solidFill>
+              <a:effectLst/>
+              <a:latin typeface="+mn-lt"/>
+              <a:ea typeface="+mn-ea"/>
+              <a:cs typeface="+mn-cs"/>
+            </a:endParaRPr>
           </a:p>
         </p:txBody>
       </p:sp>
@@ -923,7 +923,7 @@
           <a:p>
             <a:fld id="{CE5B2236-5FA5-4D65-A293-E7125BD065DA}" type="slidenum">
               <a:rPr lang="en-US" smtClean="0"/>
-              <a:t>6</a:t>
+              <a:t>5</a:t>
             </a:fld>
             <a:endParaRPr lang="en-US"/>
           </a:p>
@@ -932,7 +932,7 @@
     </p:spTree>
     <p:extLst>
       <p:ext uri="{BB962C8B-B14F-4D97-AF65-F5344CB8AC3E}">
-        <p14:creationId xmlns:p14="http://schemas.microsoft.com/office/powerpoint/2010/main" val="3573219986"/>
+        <p14:creationId xmlns:p14="http://schemas.microsoft.com/office/powerpoint/2010/main" val="717937550"/>
       </p:ext>
     </p:extLst>
   </p:cSld>
@@ -1007,7 +1007,7 @@
           <a:p>
             <a:fld id="{CE5B2236-5FA5-4D65-A293-E7125BD065DA}" type="slidenum">
               <a:rPr lang="en-US" smtClean="0"/>
-              <a:t>7</a:t>
+              <a:t>6</a:t>
             </a:fld>
             <a:endParaRPr lang="en-US"/>
           </a:p>
@@ -1016,7 +1016,7 @@
     </p:spTree>
     <p:extLst>
       <p:ext uri="{BB962C8B-B14F-4D97-AF65-F5344CB8AC3E}">
-        <p14:creationId xmlns:p14="http://schemas.microsoft.com/office/powerpoint/2010/main" val="525133376"/>
+        <p14:creationId xmlns:p14="http://schemas.microsoft.com/office/powerpoint/2010/main" val="3573219986"/>
       </p:ext>
     </p:extLst>
   </p:cSld>
@@ -1070,6 +1070,90 @@
           <a:bodyPr/>
           <a:lstStyle/>
           <a:p>
+            <a:endParaRPr lang="en-US" dirty="0"/>
+          </a:p>
+        </p:txBody>
+      </p:sp>
+      <p:sp>
+        <p:nvSpPr>
+          <p:cNvPr id="4" name="Slide Number Placeholder 3"/>
+          <p:cNvSpPr>
+            <a:spLocks noGrp="1"/>
+          </p:cNvSpPr>
+          <p:nvPr>
+            <p:ph type="sldNum" sz="quarter" idx="10"/>
+          </p:nvPr>
+        </p:nvSpPr>
+        <p:spPr/>
+        <p:txBody>
+          <a:bodyPr/>
+          <a:lstStyle/>
+          <a:p>
+            <a:fld id="{CE5B2236-5FA5-4D65-A293-E7125BD065DA}" type="slidenum">
+              <a:rPr lang="en-US" smtClean="0"/>
+              <a:t>7</a:t>
+            </a:fld>
+            <a:endParaRPr lang="en-US"/>
+          </a:p>
+        </p:txBody>
+      </p:sp>
+    </p:spTree>
+    <p:extLst>
+      <p:ext uri="{BB962C8B-B14F-4D97-AF65-F5344CB8AC3E}">
+        <p14:creationId xmlns:p14="http://schemas.microsoft.com/office/powerpoint/2010/main" val="525133376"/>
+      </p:ext>
+    </p:extLst>
+  </p:cSld>
+  <p:clrMapOvr>
+    <a:masterClrMapping/>
+  </p:clrMapOvr>
+</p:notes>
+</file>
+
+<file path=ppt/notesSlides/notesSlide8.xml><?xml version="1.0" encoding="utf-8"?>
+<p:notes xmlns:a="http://schemas.openxmlformats.org/drawingml/2006/main" xmlns:r="http://schemas.openxmlformats.org/officeDocument/2006/relationships" xmlns:p="http://schemas.openxmlformats.org/presentationml/2006/main">
+  <p:cSld>
+    <p:spTree>
+      <p:nvGrpSpPr>
+        <p:cNvPr id="1" name=""/>
+        <p:cNvGrpSpPr/>
+        <p:nvPr/>
+      </p:nvGrpSpPr>
+      <p:grpSpPr>
+        <a:xfrm>
+          <a:off x="0" y="0"/>
+          <a:ext cx="0" cy="0"/>
+          <a:chOff x="0" y="0"/>
+          <a:chExt cx="0" cy="0"/>
+        </a:xfrm>
+      </p:grpSpPr>
+      <p:sp>
+        <p:nvSpPr>
+          <p:cNvPr id="2" name="Slide Image Placeholder 1"/>
+          <p:cNvSpPr>
+            <a:spLocks noGrp="1" noRot="1" noChangeAspect="1"/>
+          </p:cNvSpPr>
+          <p:nvPr>
+            <p:ph type="sldImg"/>
+          </p:nvPr>
+        </p:nvSpPr>
+        <p:spPr/>
+      </p:sp>
+      <p:sp>
+        <p:nvSpPr>
+          <p:cNvPr id="3" name="Notes Placeholder 2"/>
+          <p:cNvSpPr>
+            <a:spLocks noGrp="1"/>
+          </p:cNvSpPr>
+          <p:nvPr>
+            <p:ph type="body" idx="1"/>
+          </p:nvPr>
+        </p:nvSpPr>
+        <p:spPr/>
+        <p:txBody>
+          <a:bodyPr/>
+          <a:lstStyle/>
+          <a:p>
             <a:pPr marL="0" marR="0" lvl="0" indent="0" algn="l" defTabSz="914400" rtl="0" eaLnBrk="1" fontAlgn="auto" latinLnBrk="0" hangingPunct="1">
               <a:lnSpc>
                 <a:spcPct val="100000"/>
@@ -1135,7 +1219,7 @@
 </p:notes>
 </file>
 
-<file path=ppt/notesSlides/notesSlide8.xml><?xml version="1.0" encoding="utf-8"?>
+<file path=ppt/notesSlides/notesSlide9.xml><?xml version="1.0" encoding="utf-8"?>
 <p:notes xmlns:a="http://schemas.openxmlformats.org/drawingml/2006/main" xmlns:r="http://schemas.openxmlformats.org/officeDocument/2006/relationships" xmlns:p="http://schemas.openxmlformats.org/presentationml/2006/main">
   <p:cSld>
     <p:spTree>
@@ -1427,7 +1511,7 @@
           <a:p>
             <a:fld id="{4AAD347D-5ACD-4C99-B74B-A9C85AD731AF}" type="datetimeFigureOut">
               <a:rPr lang="en-US" dirty="0"/>
-              <a:t>4/12/2018</a:t>
+              <a:t>4/13/2018</a:t>
             </a:fld>
             <a:endParaRPr lang="en-US" dirty="0"/>
           </a:p>
@@ -1697,7 +1781,7 @@
           <a:p>
             <a:fld id="{4509A250-FF31-4206-8172-F9D3106AACB1}" type="datetimeFigureOut">
               <a:rPr lang="en-US" dirty="0"/>
-              <a:t>4/12/2018</a:t>
+              <a:t>4/13/2018</a:t>
             </a:fld>
             <a:endParaRPr lang="en-US" dirty="0"/>
           </a:p>
@@ -1886,7 +1970,7 @@
           <a:p>
             <a:fld id="{4509A250-FF31-4206-8172-F9D3106AACB1}" type="datetimeFigureOut">
               <a:rPr lang="en-US" dirty="0"/>
-              <a:t>4/12/2018</a:t>
+              <a:t>4/13/2018</a:t>
             </a:fld>
             <a:endParaRPr lang="en-US" dirty="0"/>
           </a:p>
@@ -2149,7 +2233,7 @@
           <a:p>
             <a:fld id="{4509A250-FF31-4206-8172-F9D3106AACB1}" type="datetimeFigureOut">
               <a:rPr lang="en-US" dirty="0"/>
-              <a:t>4/12/2018</a:t>
+              <a:t>4/13/2018</a:t>
             </a:fld>
             <a:endParaRPr lang="en-US" dirty="0"/>
           </a:p>
@@ -2476,7 +2560,7 @@
           <a:p>
             <a:fld id="{4509A250-FF31-4206-8172-F9D3106AACB1}" type="datetimeFigureOut">
               <a:rPr lang="en-US" dirty="0"/>
-              <a:t>4/12/2018</a:t>
+              <a:t>4/13/2018</a:t>
             </a:fld>
             <a:endParaRPr lang="en-US" dirty="0"/>
           </a:p>
@@ -3081,7 +3165,7 @@
           <a:p>
             <a:fld id="{4509A250-FF31-4206-8172-F9D3106AACB1}" type="datetimeFigureOut">
               <a:rPr lang="en-US" dirty="0"/>
-              <a:t>4/12/2018</a:t>
+              <a:t>4/13/2018</a:t>
             </a:fld>
             <a:endParaRPr lang="en-US" dirty="0"/>
           </a:p>
@@ -3923,7 +4007,7 @@
           <a:p>
             <a:fld id="{4509A250-FF31-4206-8172-F9D3106AACB1}" type="datetimeFigureOut">
               <a:rPr lang="en-US" dirty="0"/>
-              <a:t>4/12/2018</a:t>
+              <a:t>4/13/2018</a:t>
             </a:fld>
             <a:endParaRPr lang="en-US" dirty="0"/>
           </a:p>
@@ -4088,7 +4172,7 @@
           <a:p>
             <a:fld id="{4509A250-FF31-4206-8172-F9D3106AACB1}" type="datetimeFigureOut">
               <a:rPr lang="en-US" dirty="0"/>
-              <a:t>4/12/2018</a:t>
+              <a:t>4/13/2018</a:t>
             </a:fld>
             <a:endParaRPr lang="en-US" dirty="0"/>
           </a:p>
@@ -4263,7 +4347,7 @@
           <a:p>
             <a:fld id="{4509A250-FF31-4206-8172-F9D3106AACB1}" type="datetimeFigureOut">
               <a:rPr lang="en-US" dirty="0"/>
-              <a:t>4/12/2018</a:t>
+              <a:t>4/13/2018</a:t>
             </a:fld>
             <a:endParaRPr lang="en-US" dirty="0"/>
           </a:p>
@@ -4428,7 +4512,7 @@
           <a:p>
             <a:fld id="{4509A250-FF31-4206-8172-F9D3106AACB1}" type="datetimeFigureOut">
               <a:rPr lang="en-US" dirty="0"/>
-              <a:t>4/12/2018</a:t>
+              <a:t>4/13/2018</a:t>
             </a:fld>
             <a:endParaRPr lang="en-US" dirty="0"/>
           </a:p>
@@ -4674,7 +4758,7 @@
           <a:p>
             <a:fld id="{4509A250-FF31-4206-8172-F9D3106AACB1}" type="datetimeFigureOut">
               <a:rPr lang="en-US" dirty="0"/>
-              <a:t>4/12/2018</a:t>
+              <a:t>4/13/2018</a:t>
             </a:fld>
             <a:endParaRPr lang="en-US" dirty="0"/>
           </a:p>
@@ -4961,7 +5045,7 @@
           <a:p>
             <a:fld id="{4509A250-FF31-4206-8172-F9D3106AACB1}" type="datetimeFigureOut">
               <a:rPr lang="en-US" dirty="0"/>
-              <a:t>4/12/2018</a:t>
+              <a:t>4/13/2018</a:t>
             </a:fld>
             <a:endParaRPr lang="en-US" dirty="0"/>
           </a:p>
@@ -5394,7 +5478,7 @@
           <a:p>
             <a:fld id="{4509A250-FF31-4206-8172-F9D3106AACB1}" type="datetimeFigureOut">
               <a:rPr lang="en-US" dirty="0"/>
-              <a:t>4/12/2018</a:t>
+              <a:t>4/13/2018</a:t>
             </a:fld>
             <a:endParaRPr lang="en-US" dirty="0"/>
           </a:p>
@@ -5507,7 +5591,7 @@
           <a:p>
             <a:fld id="{4509A250-FF31-4206-8172-F9D3106AACB1}" type="datetimeFigureOut">
               <a:rPr lang="en-US" dirty="0"/>
-              <a:t>4/12/2018</a:t>
+              <a:t>4/13/2018</a:t>
             </a:fld>
             <a:endParaRPr lang="en-US" dirty="0"/>
           </a:p>
@@ -5597,7 +5681,7 @@
           <a:p>
             <a:fld id="{4509A250-FF31-4206-8172-F9D3106AACB1}" type="datetimeFigureOut">
               <a:rPr lang="en-US" dirty="0"/>
-              <a:t>4/12/2018</a:t>
+              <a:t>4/13/2018</a:t>
             </a:fld>
             <a:endParaRPr lang="en-US" dirty="0"/>
           </a:p>
@@ -5871,7 +5955,7 @@
           <a:p>
             <a:fld id="{4509A250-FF31-4206-8172-F9D3106AACB1}" type="datetimeFigureOut">
               <a:rPr lang="en-US" dirty="0"/>
-              <a:t>4/12/2018</a:t>
+              <a:t>4/13/2018</a:t>
             </a:fld>
             <a:endParaRPr lang="en-US" dirty="0"/>
           </a:p>
@@ -6141,7 +6225,7 @@
           <a:p>
             <a:fld id="{4509A250-FF31-4206-8172-F9D3106AACB1}" type="datetimeFigureOut">
               <a:rPr lang="en-US" dirty="0"/>
-              <a:t>4/12/2018</a:t>
+              <a:t>4/13/2018</a:t>
             </a:fld>
             <a:endParaRPr lang="en-US" dirty="0"/>
           </a:p>
@@ -6565,7 +6649,7 @@
           <a:p>
             <a:fld id="{4509A250-FF31-4206-8172-F9D3106AACB1}" type="datetimeFigureOut">
               <a:rPr lang="en-US" dirty="0"/>
-              <a:t>4/12/2018</a:t>
+              <a:t>4/13/2018</a:t>
             </a:fld>
             <a:endParaRPr lang="en-US" dirty="0"/>
           </a:p>
@@ -7067,7 +7151,7 @@
           <p:cNvPr id="2" name="Title 1">
             <a:extLst>
               <a:ext uri="{FF2B5EF4-FFF2-40B4-BE49-F238E27FC236}">
-                <a16:creationId xmlns:a16="http://schemas.microsoft.com/office/drawing/2014/main" xmlns="" id="{1D719F42-7E77-40CF-BD6C-4D82ADA635A6}"/>
+                <a16:creationId xmlns="" xmlns:a16="http://schemas.microsoft.com/office/drawing/2014/main" id="{1D719F42-7E77-40CF-BD6C-4D82ADA635A6}"/>
               </a:ext>
             </a:extLst>
           </p:cNvPr>
@@ -7092,7 +7176,6 @@
               <a:rPr lang="en-US" sz="4000" dirty="0"/>
               <a:t>Cloud – Analytics – Service Assurance</a:t>
             </a:r>
-            <a:endParaRPr lang="en-US" sz="4000" dirty="0"/>
           </a:p>
         </p:txBody>
       </p:sp>
@@ -7101,7 +7184,7 @@
           <p:cNvPr id="3" name="Subtitle 2">
             <a:extLst>
               <a:ext uri="{FF2B5EF4-FFF2-40B4-BE49-F238E27FC236}">
-                <a16:creationId xmlns:a16="http://schemas.microsoft.com/office/drawing/2014/main" xmlns="" id="{BC039C7D-6605-413D-B260-5203F9BAD1B3}"/>
+                <a16:creationId xmlns="" xmlns:a16="http://schemas.microsoft.com/office/drawing/2014/main" id="{BC039C7D-6605-413D-B260-5203F9BAD1B3}"/>
               </a:ext>
             </a:extLst>
           </p:cNvPr>
@@ -7140,7 +7223,7 @@
           <p:cNvPr id="1026" name="Picture 2" descr="Image result for ipleiria">
             <a:extLst>
               <a:ext uri="{FF2B5EF4-FFF2-40B4-BE49-F238E27FC236}">
-                <a16:creationId xmlns:a16="http://schemas.microsoft.com/office/drawing/2014/main" xmlns="" id="{F14042B0-C17B-4D00-810C-494799EEACEC}"/>
+                <a16:creationId xmlns="" xmlns:a16="http://schemas.microsoft.com/office/drawing/2014/main" id="{F14042B0-C17B-4D00-810C-494799EEACEC}"/>
               </a:ext>
             </a:extLst>
           </p:cNvPr>
@@ -7150,7 +7233,7 @@
           <p:nvPr/>
         </p:nvPicPr>
         <p:blipFill>
-          <a:blip r:embed="rId2">
+          <a:blip r:embed="rId3">
             <a:extLst>
               <a:ext uri="{28A0092B-C50C-407E-A947-70E740481C1C}">
                 <a14:useLocalDpi xmlns:a14="http://schemas.microsoft.com/office/drawing/2010/main" val="0"/>
@@ -7187,7 +7270,7 @@
           <p:cNvPr id="5" name="Subtitle 2">
             <a:extLst>
               <a:ext uri="{FF2B5EF4-FFF2-40B4-BE49-F238E27FC236}">
-                <a16:creationId xmlns:a16="http://schemas.microsoft.com/office/drawing/2014/main" xmlns="" id="{F6031987-2D79-4E50-B9BA-B79A8F3D54EE}"/>
+                <a16:creationId xmlns="" xmlns:a16="http://schemas.microsoft.com/office/drawing/2014/main" id="{F6031987-2D79-4E50-B9BA-B79A8F3D54EE}"/>
               </a:ext>
             </a:extLst>
           </p:cNvPr>
@@ -7198,8 +7281,8 @@
         </p:nvSpPr>
         <p:spPr>
           <a:xfrm>
-            <a:off x="6573717" y="4636703"/>
-            <a:ext cx="4463330" cy="861420"/>
+            <a:off x="5812971" y="4342788"/>
+            <a:ext cx="5224076" cy="1448411"/>
           </a:xfrm>
           <a:prstGeom prst="rect">
             <a:avLst/>
@@ -7444,20 +7527,44 @@
               <a:t> de </a:t>
             </a:r>
             <a:r>
-              <a:rPr lang="en-US" sz="1200" dirty="0" err="1"/>
+              <a:rPr lang="en-US" sz="1200" dirty="0" err="1" smtClean="0"/>
               <a:t>Informação</a:t>
             </a:r>
+            <a:endParaRPr lang="en-US" sz="1200" dirty="0" smtClean="0"/>
+          </a:p>
+          <a:p>
+            <a:pPr algn="r"/>
+            <a:r>
+              <a:rPr lang="en-US" sz="1200" dirty="0" err="1" smtClean="0"/>
+              <a:t>Docentes</a:t>
+            </a:r>
+            <a:r>
+              <a:rPr lang="en-US" sz="1200" dirty="0" smtClean="0"/>
+              <a:t>:</a:t>
+            </a:r>
             <a:endParaRPr lang="en-US" sz="1200" dirty="0"/>
           </a:p>
           <a:p>
             <a:pPr algn="r"/>
             <a:r>
-              <a:rPr lang="en-US" sz="1200" dirty="0"/>
-              <a:t>Professor Daniel </a:t>
-            </a:r>
-            <a:r>
-              <a:rPr lang="en-US" sz="1200" dirty="0" err="1"/>
+              <a:rPr lang="en-US" sz="1200" dirty="0" smtClean="0"/>
+              <a:t>Daniel </a:t>
+            </a:r>
+            <a:r>
+              <a:rPr lang="en-US" sz="1200" dirty="0" err="1" smtClean="0"/>
               <a:t>fuentes</a:t>
+            </a:r>
+            <a:endParaRPr lang="en-US" sz="1200" dirty="0" smtClean="0"/>
+          </a:p>
+          <a:p>
+            <a:pPr algn="r"/>
+            <a:r>
+              <a:rPr lang="pt-PT" sz="1200" dirty="0" err="1"/>
+              <a:t>paulo</a:t>
+            </a:r>
+            <a:r>
+              <a:rPr lang="pt-PT" sz="1200" dirty="0"/>
+              <a:t> valente</a:t>
             </a:r>
             <a:endParaRPr lang="en-US" sz="1200" dirty="0"/>
           </a:p>
@@ -7530,7 +7637,7 @@
           <p:cNvPr id="2052" name="Rectangle 70">
             <a:extLst>
               <a:ext uri="{FF2B5EF4-FFF2-40B4-BE49-F238E27FC236}">
-                <a16:creationId xmlns:a16="http://schemas.microsoft.com/office/drawing/2014/main" xmlns="" id="{4109C3C2-C0A8-4559-8462-8007573DF44C}"/>
+                <a16:creationId xmlns="" xmlns:a16="http://schemas.microsoft.com/office/drawing/2014/main" id="{4109C3C2-C0A8-4559-8462-8007573DF44C}"/>
               </a:ext>
             </a:extLst>
           </p:cNvPr>
@@ -7540,7 +7647,7 @@
           <p:nvPr>
             <p:extLst>
               <p:ext uri="{386F3935-93C4-4BCD-93E2-E3B085C9AB24}">
-                <p16:designElem xmlns:p16="http://schemas.microsoft.com/office/powerpoint/2015/main" xmlns="" val="1"/>
+                <p16:designElem xmlns="" xmlns:p16="http://schemas.microsoft.com/office/powerpoint/2015/main" val="1"/>
               </p:ext>
             </p:extLst>
           </p:nvPr>
@@ -7590,7 +7697,7 @@
           <p:cNvPr id="73" name="Freeform 31">
             <a:extLst>
               <a:ext uri="{FF2B5EF4-FFF2-40B4-BE49-F238E27FC236}">
-                <a16:creationId xmlns:a16="http://schemas.microsoft.com/office/drawing/2014/main" xmlns="" id="{D6CEF2A9-EF08-4FB3-AFFB-C5F77AB6E028}"/>
+                <a16:creationId xmlns="" xmlns:a16="http://schemas.microsoft.com/office/drawing/2014/main" id="{D6CEF2A9-EF08-4FB3-AFFB-C5F77AB6E028}"/>
               </a:ext>
             </a:extLst>
           </p:cNvPr>
@@ -7600,7 +7707,7 @@
           <p:nvPr>
             <p:extLst>
               <p:ext uri="{386F3935-93C4-4BCD-93E2-E3B085C9AB24}">
-                <p16:designElem xmlns:p16="http://schemas.microsoft.com/office/powerpoint/2015/main" xmlns="" val="1"/>
+                <p16:designElem xmlns="" xmlns:p16="http://schemas.microsoft.com/office/powerpoint/2015/main" val="1"/>
               </p:ext>
             </p:extLst>
           </p:nvPr>
@@ -7939,7 +8046,7 @@
           <p:cNvPr id="75" name="Freeform 5">
             <a:extLst>
               <a:ext uri="{FF2B5EF4-FFF2-40B4-BE49-F238E27FC236}">
-                <a16:creationId xmlns:a16="http://schemas.microsoft.com/office/drawing/2014/main" xmlns="" id="{4C535542-B72A-4DE0-BE5A-5EA00508C77D}"/>
+                <a16:creationId xmlns="" xmlns:a16="http://schemas.microsoft.com/office/drawing/2014/main" id="{4C535542-B72A-4DE0-BE5A-5EA00508C77D}"/>
               </a:ext>
             </a:extLst>
           </p:cNvPr>
@@ -7949,7 +8056,7 @@
           <p:nvPr>
             <p:extLst>
               <p:ext uri="{386F3935-93C4-4BCD-93E2-E3B085C9AB24}">
-                <p16:designElem xmlns:p16="http://schemas.microsoft.com/office/powerpoint/2015/main" xmlns="" val="1"/>
+                <p16:designElem xmlns="" xmlns:p16="http://schemas.microsoft.com/office/powerpoint/2015/main" val="1"/>
               </p:ext>
             </p:extLst>
           </p:nvPr>
@@ -8137,7 +8244,7 @@
           <p:cNvPr id="2" name="Title 1">
             <a:extLst>
               <a:ext uri="{FF2B5EF4-FFF2-40B4-BE49-F238E27FC236}">
-                <a16:creationId xmlns:a16="http://schemas.microsoft.com/office/drawing/2014/main" xmlns="" id="{8378F806-4A4C-4FC1-8E37-BEE67E34701D}"/>
+                <a16:creationId xmlns="" xmlns:a16="http://schemas.microsoft.com/office/drawing/2014/main" id="{8378F806-4A4C-4FC1-8E37-BEE67E34701D}"/>
               </a:ext>
             </a:extLst>
           </p:cNvPr>
@@ -8200,7 +8307,7 @@
           <p:cNvPr id="11" name="Content Placeholder 2">
             <a:extLst>
               <a:ext uri="{FF2B5EF4-FFF2-40B4-BE49-F238E27FC236}">
-                <a16:creationId xmlns:a16="http://schemas.microsoft.com/office/drawing/2014/main" xmlns="" id="{E140D122-DCB5-4731-9CD5-FB0D92193A22}"/>
+                <a16:creationId xmlns="" xmlns:a16="http://schemas.microsoft.com/office/drawing/2014/main" id="{E140D122-DCB5-4731-9CD5-FB0D92193A22}"/>
               </a:ext>
             </a:extLst>
           </p:cNvPr>
@@ -8301,7 +8408,7 @@
           <p:cNvPr id="201" name="Rectangle 200">
             <a:extLst>
               <a:ext uri="{FF2B5EF4-FFF2-40B4-BE49-F238E27FC236}">
-                <a16:creationId xmlns:a16="http://schemas.microsoft.com/office/drawing/2014/main" xmlns="" id="{4109C3C2-C0A8-4559-8462-8007573DF44C}"/>
+                <a16:creationId xmlns="" xmlns:a16="http://schemas.microsoft.com/office/drawing/2014/main" id="{4109C3C2-C0A8-4559-8462-8007573DF44C}"/>
               </a:ext>
             </a:extLst>
           </p:cNvPr>
@@ -8311,7 +8418,7 @@
           <p:nvPr>
             <p:extLst>
               <p:ext uri="{386F3935-93C4-4BCD-93E2-E3B085C9AB24}">
-                <p16:designElem xmlns:p16="http://schemas.microsoft.com/office/powerpoint/2015/main" xmlns="" val="1"/>
+                <p16:designElem xmlns="" xmlns:p16="http://schemas.microsoft.com/office/powerpoint/2015/main" val="1"/>
               </p:ext>
             </p:extLst>
           </p:nvPr>
@@ -8361,7 +8468,7 @@
           <p:cNvPr id="203" name="Freeform 31">
             <a:extLst>
               <a:ext uri="{FF2B5EF4-FFF2-40B4-BE49-F238E27FC236}">
-                <a16:creationId xmlns:a16="http://schemas.microsoft.com/office/drawing/2014/main" xmlns="" id="{D6CEF2A9-EF08-4FB3-AFFB-C5F77AB6E028}"/>
+                <a16:creationId xmlns="" xmlns:a16="http://schemas.microsoft.com/office/drawing/2014/main" id="{D6CEF2A9-EF08-4FB3-AFFB-C5F77AB6E028}"/>
               </a:ext>
             </a:extLst>
           </p:cNvPr>
@@ -8371,7 +8478,7 @@
           <p:nvPr>
             <p:extLst>
               <p:ext uri="{386F3935-93C4-4BCD-93E2-E3B085C9AB24}">
-                <p16:designElem xmlns:p16="http://schemas.microsoft.com/office/powerpoint/2015/main" xmlns="" val="1"/>
+                <p16:designElem xmlns="" xmlns:p16="http://schemas.microsoft.com/office/powerpoint/2015/main" val="1"/>
               </p:ext>
             </p:extLst>
           </p:nvPr>
@@ -8710,7 +8817,7 @@
           <p:cNvPr id="205" name="Freeform 5">
             <a:extLst>
               <a:ext uri="{FF2B5EF4-FFF2-40B4-BE49-F238E27FC236}">
-                <a16:creationId xmlns:a16="http://schemas.microsoft.com/office/drawing/2014/main" xmlns="" id="{4C535542-B72A-4DE0-BE5A-5EA00508C77D}"/>
+                <a16:creationId xmlns="" xmlns:a16="http://schemas.microsoft.com/office/drawing/2014/main" id="{4C535542-B72A-4DE0-BE5A-5EA00508C77D}"/>
               </a:ext>
             </a:extLst>
           </p:cNvPr>
@@ -8720,7 +8827,7 @@
           <p:nvPr>
             <p:extLst>
               <p:ext uri="{386F3935-93C4-4BCD-93E2-E3B085C9AB24}">
-                <p16:designElem xmlns:p16="http://schemas.microsoft.com/office/powerpoint/2015/main" xmlns="" val="1"/>
+                <p16:designElem xmlns="" xmlns:p16="http://schemas.microsoft.com/office/powerpoint/2015/main" val="1"/>
               </p:ext>
             </p:extLst>
           </p:nvPr>
@@ -8908,7 +9015,7 @@
           <p:cNvPr id="3" name="Content Placeholder 2">
             <a:extLst>
               <a:ext uri="{FF2B5EF4-FFF2-40B4-BE49-F238E27FC236}">
-                <a16:creationId xmlns:a16="http://schemas.microsoft.com/office/drawing/2014/main" xmlns="" id="{E140D122-DCB5-4731-9CD5-FB0D92193A22}"/>
+                <a16:creationId xmlns="" xmlns:a16="http://schemas.microsoft.com/office/drawing/2014/main" id="{E140D122-DCB5-4731-9CD5-FB0D92193A22}"/>
               </a:ext>
             </a:extLst>
           </p:cNvPr>
@@ -9036,7 +9143,7 @@
           <p:cNvPr id="10" name="Title 1">
             <a:extLst>
               <a:ext uri="{FF2B5EF4-FFF2-40B4-BE49-F238E27FC236}">
-                <a16:creationId xmlns:a16="http://schemas.microsoft.com/office/drawing/2014/main" xmlns="" id="{8378F806-4A4C-4FC1-8E37-BEE67E34701D}"/>
+                <a16:creationId xmlns="" xmlns:a16="http://schemas.microsoft.com/office/drawing/2014/main" id="{8378F806-4A4C-4FC1-8E37-BEE67E34701D}"/>
               </a:ext>
             </a:extLst>
           </p:cNvPr>
@@ -9133,7 +9240,7 @@
           <a:p>
             <a:r>
               <a:rPr lang="pt-PT" sz="4000" dirty="0" smtClean="0"/>
-              <a:t>Arquitetura</a:t>
+              <a:t>Camadas</a:t>
             </a:r>
             <a:endParaRPr lang="pt-PT" dirty="0"/>
           </a:p>
@@ -9206,7 +9313,7 @@
           <p:cNvPr id="71" name="Picture 70">
             <a:extLst>
               <a:ext uri="{FF2B5EF4-FFF2-40B4-BE49-F238E27FC236}">
-                <a16:creationId xmlns:a16="http://schemas.microsoft.com/office/drawing/2014/main" xmlns="" id="{7594FC8B-8CD2-407F-94F1-9C71F5AEC2B6}"/>
+                <a16:creationId xmlns="" xmlns:a16="http://schemas.microsoft.com/office/drawing/2014/main" id="{7594FC8B-8CD2-407F-94F1-9C71F5AEC2B6}"/>
               </a:ext>
             </a:extLst>
           </p:cNvPr>
@@ -9216,7 +9323,7 @@
           <p:nvPr>
             <p:extLst>
               <p:ext uri="{386F3935-93C4-4BCD-93E2-E3B085C9AB24}">
-                <p16:designElem xmlns:p16="http://schemas.microsoft.com/office/powerpoint/2015/main" xmlns="" val="1"/>
+                <p16:designElem xmlns="" xmlns:p16="http://schemas.microsoft.com/office/powerpoint/2015/main" val="1"/>
               </p:ext>
             </p:extLst>
           </p:nvPr>
@@ -9247,7 +9354,7 @@
           <p:cNvPr id="73" name="Picture 72">
             <a:extLst>
               <a:ext uri="{FF2B5EF4-FFF2-40B4-BE49-F238E27FC236}">
-                <a16:creationId xmlns:a16="http://schemas.microsoft.com/office/drawing/2014/main" xmlns="" id="{DBABC971-8D40-4A4F-AC60-28B9172789B9}"/>
+                <a16:creationId xmlns="" xmlns:a16="http://schemas.microsoft.com/office/drawing/2014/main" id="{DBABC971-8D40-4A4F-AC60-28B9172789B9}"/>
               </a:ext>
             </a:extLst>
           </p:cNvPr>
@@ -9257,7 +9364,7 @@
           <p:nvPr>
             <p:extLst>
               <p:ext uri="{386F3935-93C4-4BCD-93E2-E3B085C9AB24}">
-                <p16:designElem xmlns:p16="http://schemas.microsoft.com/office/powerpoint/2015/main" xmlns="" val="1"/>
+                <p16:designElem xmlns="" xmlns:p16="http://schemas.microsoft.com/office/powerpoint/2015/main" val="1"/>
               </p:ext>
             </p:extLst>
           </p:nvPr>
@@ -9288,7 +9395,7 @@
           <p:cNvPr id="75" name="Oval 74">
             <a:extLst>
               <a:ext uri="{FF2B5EF4-FFF2-40B4-BE49-F238E27FC236}">
-                <a16:creationId xmlns:a16="http://schemas.microsoft.com/office/drawing/2014/main" xmlns="" id="{B9C04DC5-313B-4FE4-B868-5672A376419F}"/>
+                <a16:creationId xmlns="" xmlns:a16="http://schemas.microsoft.com/office/drawing/2014/main" id="{B9C04DC5-313B-4FE4-B868-5672A376419F}"/>
               </a:ext>
             </a:extLst>
           </p:cNvPr>
@@ -9298,7 +9405,7 @@
           <p:nvPr>
             <p:extLst>
               <p:ext uri="{386F3935-93C4-4BCD-93E2-E3B085C9AB24}">
-                <p16:designElem xmlns:p16="http://schemas.microsoft.com/office/powerpoint/2015/main" xmlns="" val="1"/>
+                <p16:designElem xmlns="" xmlns:p16="http://schemas.microsoft.com/office/powerpoint/2015/main" val="1"/>
               </p:ext>
             </p:extLst>
           </p:nvPr>
@@ -9365,7 +9472,7 @@
           <p:cNvPr id="77" name="Picture 76">
             <a:extLst>
               <a:ext uri="{FF2B5EF4-FFF2-40B4-BE49-F238E27FC236}">
-                <a16:creationId xmlns:a16="http://schemas.microsoft.com/office/drawing/2014/main" xmlns="" id="{791AE23E-90C9-4963-96E2-8DADBFC3BC09}"/>
+                <a16:creationId xmlns="" xmlns:a16="http://schemas.microsoft.com/office/drawing/2014/main" id="{791AE23E-90C9-4963-96E2-8DADBFC3BC09}"/>
               </a:ext>
             </a:extLst>
           </p:cNvPr>
@@ -9375,7 +9482,7 @@
           <p:nvPr>
             <p:extLst>
               <p:ext uri="{386F3935-93C4-4BCD-93E2-E3B085C9AB24}">
-                <p16:designElem xmlns:p16="http://schemas.microsoft.com/office/powerpoint/2015/main" xmlns="" val="1"/>
+                <p16:designElem xmlns="" xmlns:p16="http://schemas.microsoft.com/office/powerpoint/2015/main" val="1"/>
               </p:ext>
             </p:extLst>
           </p:nvPr>
@@ -9406,7 +9513,7 @@
           <p:cNvPr id="79" name="Picture 78">
             <a:extLst>
               <a:ext uri="{FF2B5EF4-FFF2-40B4-BE49-F238E27FC236}">
-                <a16:creationId xmlns:a16="http://schemas.microsoft.com/office/drawing/2014/main" xmlns="" id="{C5F93E90-4379-4AAC-B021-E5FA6D974AED}"/>
+                <a16:creationId xmlns="" xmlns:a16="http://schemas.microsoft.com/office/drawing/2014/main" id="{C5F93E90-4379-4AAC-B021-E5FA6D974AED}"/>
               </a:ext>
             </a:extLst>
           </p:cNvPr>
@@ -9416,7 +9523,7 @@
           <p:nvPr>
             <p:extLst>
               <p:ext uri="{386F3935-93C4-4BCD-93E2-E3B085C9AB24}">
-                <p16:designElem xmlns:p16="http://schemas.microsoft.com/office/powerpoint/2015/main" xmlns="" val="1"/>
+                <p16:designElem xmlns="" xmlns:p16="http://schemas.microsoft.com/office/powerpoint/2015/main" val="1"/>
               </p:ext>
             </p:extLst>
           </p:nvPr>
@@ -9447,7 +9554,7 @@
           <p:cNvPr id="81" name="Rectangle 80">
             <a:extLst>
               <a:ext uri="{FF2B5EF4-FFF2-40B4-BE49-F238E27FC236}">
-                <a16:creationId xmlns:a16="http://schemas.microsoft.com/office/drawing/2014/main" xmlns="" id="{329FDD08-42D8-4AFF-90E5-5DAA5BC4CBD8}"/>
+                <a16:creationId xmlns="" xmlns:a16="http://schemas.microsoft.com/office/drawing/2014/main" id="{329FDD08-42D8-4AFF-90E5-5DAA5BC4CBD8}"/>
               </a:ext>
             </a:extLst>
           </p:cNvPr>
@@ -9457,7 +9564,7 @@
           <p:nvPr>
             <p:extLst>
               <p:ext uri="{386F3935-93C4-4BCD-93E2-E3B085C9AB24}">
-                <p16:designElem xmlns:p16="http://schemas.microsoft.com/office/powerpoint/2015/main" xmlns="" val="1"/>
+                <p16:designElem xmlns="" xmlns:p16="http://schemas.microsoft.com/office/powerpoint/2015/main" val="1"/>
               </p:ext>
             </p:extLst>
           </p:nvPr>
@@ -9497,7 +9604,7 @@
           <p:cNvPr id="83" name="Rectangle 82">
             <a:extLst>
               <a:ext uri="{FF2B5EF4-FFF2-40B4-BE49-F238E27FC236}">
-                <a16:creationId xmlns:a16="http://schemas.microsoft.com/office/drawing/2014/main" xmlns="" id="{58E5A035-23A3-4720-BB93-54574C24F8EC}"/>
+                <a16:creationId xmlns="" xmlns:a16="http://schemas.microsoft.com/office/drawing/2014/main" id="{58E5A035-23A3-4720-BB93-54574C24F8EC}"/>
               </a:ext>
             </a:extLst>
           </p:cNvPr>
@@ -9507,7 +9614,7 @@
           <p:nvPr>
             <p:extLst>
               <p:ext uri="{386F3935-93C4-4BCD-93E2-E3B085C9AB24}">
-                <p16:designElem xmlns:p16="http://schemas.microsoft.com/office/powerpoint/2015/main" xmlns="" val="1"/>
+                <p16:designElem xmlns="" xmlns:p16="http://schemas.microsoft.com/office/powerpoint/2015/main" val="1"/>
               </p:ext>
             </p:extLst>
           </p:nvPr>
@@ -9557,7 +9664,7 @@
           <p:cNvPr id="85" name="Rectangle 84">
             <a:extLst>
               <a:ext uri="{FF2B5EF4-FFF2-40B4-BE49-F238E27FC236}">
-                <a16:creationId xmlns:a16="http://schemas.microsoft.com/office/drawing/2014/main" xmlns="" id="{E3D6803B-AEC6-4CD2-86EF-E591BD2FD12C}"/>
+                <a16:creationId xmlns="" xmlns:a16="http://schemas.microsoft.com/office/drawing/2014/main" id="{E3D6803B-AEC6-4CD2-86EF-E591BD2FD12C}"/>
               </a:ext>
             </a:extLst>
           </p:cNvPr>
@@ -9567,7 +9674,7 @@
           <p:nvPr>
             <p:extLst>
               <p:ext uri="{386F3935-93C4-4BCD-93E2-E3B085C9AB24}">
-                <p16:designElem xmlns:p16="http://schemas.microsoft.com/office/powerpoint/2015/main" xmlns="" val="1"/>
+                <p16:designElem xmlns="" xmlns:p16="http://schemas.microsoft.com/office/powerpoint/2015/main" val="1"/>
               </p:ext>
             </p:extLst>
           </p:nvPr>
@@ -9614,7 +9721,7 @@
           <p:cNvPr id="89" name="Freeform 16">
             <a:extLst>
               <a:ext uri="{FF2B5EF4-FFF2-40B4-BE49-F238E27FC236}">
-                <a16:creationId xmlns:a16="http://schemas.microsoft.com/office/drawing/2014/main" xmlns="" id="{CABE022E-1488-4DA5-89B5-07646B3A2FA9}"/>
+                <a16:creationId xmlns="" xmlns:a16="http://schemas.microsoft.com/office/drawing/2014/main" id="{CABE022E-1488-4DA5-89B5-07646B3A2FA9}"/>
               </a:ext>
             </a:extLst>
           </p:cNvPr>
@@ -9624,7 +9731,7 @@
           <p:nvPr>
             <p:extLst>
               <p:ext uri="{386F3935-93C4-4BCD-93E2-E3B085C9AB24}">
-                <p16:designElem xmlns:p16="http://schemas.microsoft.com/office/powerpoint/2015/main" xmlns="" val="1"/>
+                <p16:designElem xmlns="" xmlns:p16="http://schemas.microsoft.com/office/powerpoint/2015/main" val="1"/>
               </p:ext>
             </p:extLst>
           </p:nvPr>
@@ -9975,7 +10082,7 @@
           <p:cNvPr id="91" name="Freeform 5">
             <a:extLst>
               <a:ext uri="{FF2B5EF4-FFF2-40B4-BE49-F238E27FC236}">
-                <a16:creationId xmlns:a16="http://schemas.microsoft.com/office/drawing/2014/main" xmlns="" id="{80B51C95-9EBC-4AA5-AC2C-3F053E14DE25}"/>
+                <a16:creationId xmlns="" xmlns:a16="http://schemas.microsoft.com/office/drawing/2014/main" id="{80B51C95-9EBC-4AA5-AC2C-3F053E14DE25}"/>
               </a:ext>
             </a:extLst>
           </p:cNvPr>
@@ -9985,7 +10092,7 @@
           <p:nvPr>
             <p:extLst>
               <p:ext uri="{386F3935-93C4-4BCD-93E2-E3B085C9AB24}">
-                <p16:designElem xmlns:p16="http://schemas.microsoft.com/office/powerpoint/2015/main" xmlns="" val="1"/>
+                <p16:designElem xmlns="" xmlns:p16="http://schemas.microsoft.com/office/powerpoint/2015/main" val="1"/>
               </p:ext>
             </p:extLst>
           </p:nvPr>
@@ -10170,7 +10277,7 @@
           <p:cNvPr id="2" name="Title 1">
             <a:extLst>
               <a:ext uri="{FF2B5EF4-FFF2-40B4-BE49-F238E27FC236}">
-                <a16:creationId xmlns:a16="http://schemas.microsoft.com/office/drawing/2014/main" xmlns="" id="{60D6F111-D108-453E-98D0-12EABF86718F}"/>
+                <a16:creationId xmlns="" xmlns:a16="http://schemas.microsoft.com/office/drawing/2014/main" id="{60D6F111-D108-453E-98D0-12EABF86718F}"/>
               </a:ext>
             </a:extLst>
           </p:cNvPr>
@@ -10291,7 +10398,7 @@
           <p:cNvPr id="10" name="Picture 9">
             <a:extLst>
               <a:ext uri="{FF2B5EF4-FFF2-40B4-BE49-F238E27FC236}">
-                <a16:creationId xmlns:a16="http://schemas.microsoft.com/office/drawing/2014/main" xmlns="" id="{7594FC8B-8CD2-407F-94F1-9C71F5AEC2B6}"/>
+                <a16:creationId xmlns="" xmlns:a16="http://schemas.microsoft.com/office/drawing/2014/main" id="{7594FC8B-8CD2-407F-94F1-9C71F5AEC2B6}"/>
               </a:ext>
             </a:extLst>
           </p:cNvPr>
@@ -10301,7 +10408,7 @@
           <p:nvPr>
             <p:extLst>
               <p:ext uri="{386F3935-93C4-4BCD-93E2-E3B085C9AB24}">
-                <p16:designElem xmlns:p16="http://schemas.microsoft.com/office/powerpoint/2015/main" xmlns="" val="1"/>
+                <p16:designElem xmlns="" xmlns:p16="http://schemas.microsoft.com/office/powerpoint/2015/main" val="1"/>
               </p:ext>
             </p:extLst>
           </p:nvPr>
@@ -10332,7 +10439,7 @@
           <p:cNvPr id="12" name="Picture 11">
             <a:extLst>
               <a:ext uri="{FF2B5EF4-FFF2-40B4-BE49-F238E27FC236}">
-                <a16:creationId xmlns:a16="http://schemas.microsoft.com/office/drawing/2014/main" xmlns="" id="{DBABC971-8D40-4A4F-AC60-28B9172789B9}"/>
+                <a16:creationId xmlns="" xmlns:a16="http://schemas.microsoft.com/office/drawing/2014/main" id="{DBABC971-8D40-4A4F-AC60-28B9172789B9}"/>
               </a:ext>
             </a:extLst>
           </p:cNvPr>
@@ -10342,7 +10449,7 @@
           <p:nvPr>
             <p:extLst>
               <p:ext uri="{386F3935-93C4-4BCD-93E2-E3B085C9AB24}">
-                <p16:designElem xmlns:p16="http://schemas.microsoft.com/office/powerpoint/2015/main" xmlns="" val="1"/>
+                <p16:designElem xmlns="" xmlns:p16="http://schemas.microsoft.com/office/powerpoint/2015/main" val="1"/>
               </p:ext>
             </p:extLst>
           </p:nvPr>
@@ -10373,7 +10480,7 @@
           <p:cNvPr id="14" name="Oval 13">
             <a:extLst>
               <a:ext uri="{FF2B5EF4-FFF2-40B4-BE49-F238E27FC236}">
-                <a16:creationId xmlns:a16="http://schemas.microsoft.com/office/drawing/2014/main" xmlns="" id="{B9C04DC5-313B-4FE4-B868-5672A376419F}"/>
+                <a16:creationId xmlns="" xmlns:a16="http://schemas.microsoft.com/office/drawing/2014/main" id="{B9C04DC5-313B-4FE4-B868-5672A376419F}"/>
               </a:ext>
             </a:extLst>
           </p:cNvPr>
@@ -10383,7 +10490,7 @@
           <p:nvPr>
             <p:extLst>
               <p:ext uri="{386F3935-93C4-4BCD-93E2-E3B085C9AB24}">
-                <p16:designElem xmlns:p16="http://schemas.microsoft.com/office/powerpoint/2015/main" xmlns="" val="1"/>
+                <p16:designElem xmlns="" xmlns:p16="http://schemas.microsoft.com/office/powerpoint/2015/main" val="1"/>
               </p:ext>
             </p:extLst>
           </p:nvPr>
@@ -10450,7 +10557,7 @@
           <p:cNvPr id="16" name="Picture 15">
             <a:extLst>
               <a:ext uri="{FF2B5EF4-FFF2-40B4-BE49-F238E27FC236}">
-                <a16:creationId xmlns:a16="http://schemas.microsoft.com/office/drawing/2014/main" xmlns="" id="{791AE23E-90C9-4963-96E2-8DADBFC3BC09}"/>
+                <a16:creationId xmlns="" xmlns:a16="http://schemas.microsoft.com/office/drawing/2014/main" id="{791AE23E-90C9-4963-96E2-8DADBFC3BC09}"/>
               </a:ext>
             </a:extLst>
           </p:cNvPr>
@@ -10460,7 +10567,7 @@
           <p:nvPr>
             <p:extLst>
               <p:ext uri="{386F3935-93C4-4BCD-93E2-E3B085C9AB24}">
-                <p16:designElem xmlns:p16="http://schemas.microsoft.com/office/powerpoint/2015/main" xmlns="" val="1"/>
+                <p16:designElem xmlns="" xmlns:p16="http://schemas.microsoft.com/office/powerpoint/2015/main" val="1"/>
               </p:ext>
             </p:extLst>
           </p:nvPr>
@@ -10491,7 +10598,7 @@
           <p:cNvPr id="18" name="Picture 17">
             <a:extLst>
               <a:ext uri="{FF2B5EF4-FFF2-40B4-BE49-F238E27FC236}">
-                <a16:creationId xmlns:a16="http://schemas.microsoft.com/office/drawing/2014/main" xmlns="" id="{C5F93E90-4379-4AAC-B021-E5FA6D974AED}"/>
+                <a16:creationId xmlns="" xmlns:a16="http://schemas.microsoft.com/office/drawing/2014/main" id="{C5F93E90-4379-4AAC-B021-E5FA6D974AED}"/>
               </a:ext>
             </a:extLst>
           </p:cNvPr>
@@ -10501,7 +10608,7 @@
           <p:nvPr>
             <p:extLst>
               <p:ext uri="{386F3935-93C4-4BCD-93E2-E3B085C9AB24}">
-                <p16:designElem xmlns:p16="http://schemas.microsoft.com/office/powerpoint/2015/main" xmlns="" val="1"/>
+                <p16:designElem xmlns="" xmlns:p16="http://schemas.microsoft.com/office/powerpoint/2015/main" val="1"/>
               </p:ext>
             </p:extLst>
           </p:nvPr>
@@ -10532,7 +10639,7 @@
           <p:cNvPr id="22" name="Rectangle 21">
             <a:extLst>
               <a:ext uri="{FF2B5EF4-FFF2-40B4-BE49-F238E27FC236}">
-                <a16:creationId xmlns:a16="http://schemas.microsoft.com/office/drawing/2014/main" xmlns="" id="{C9583823-2AA3-46EB-A803-287EC900BC41}"/>
+                <a16:creationId xmlns="" xmlns:a16="http://schemas.microsoft.com/office/drawing/2014/main" id="{C9583823-2AA3-46EB-A803-287EC900BC41}"/>
               </a:ext>
             </a:extLst>
           </p:cNvPr>
@@ -10542,7 +10649,7 @@
           <p:nvPr>
             <p:extLst>
               <p:ext uri="{386F3935-93C4-4BCD-93E2-E3B085C9AB24}">
-                <p16:designElem xmlns:p16="http://schemas.microsoft.com/office/powerpoint/2015/main" xmlns="" val="1"/>
+                <p16:designElem xmlns="" xmlns:p16="http://schemas.microsoft.com/office/powerpoint/2015/main" val="1"/>
               </p:ext>
             </p:extLst>
           </p:nvPr>
@@ -10592,7 +10699,7 @@
           <p:cNvPr id="24" name="Freeform 36">
             <a:extLst>
               <a:ext uri="{FF2B5EF4-FFF2-40B4-BE49-F238E27FC236}">
-                <a16:creationId xmlns:a16="http://schemas.microsoft.com/office/drawing/2014/main" xmlns="" id="{CA87D9D8-42FB-4157-A365-AD97CC6BAFEC}"/>
+                <a16:creationId xmlns="" xmlns:a16="http://schemas.microsoft.com/office/drawing/2014/main" id="{CA87D9D8-42FB-4157-A365-AD97CC6BAFEC}"/>
               </a:ext>
             </a:extLst>
           </p:cNvPr>
@@ -10602,7 +10709,7 @@
           <p:nvPr>
             <p:extLst>
               <p:ext uri="{386F3935-93C4-4BCD-93E2-E3B085C9AB24}">
-                <p16:designElem xmlns:p16="http://schemas.microsoft.com/office/powerpoint/2015/main" xmlns="" val="1"/>
+                <p16:designElem xmlns="" xmlns:p16="http://schemas.microsoft.com/office/powerpoint/2015/main" val="1"/>
               </p:ext>
             </p:extLst>
           </p:nvPr>
@@ -10941,7 +11048,7 @@
           <p:cNvPr id="26" name="Freeform 5">
             <a:extLst>
               <a:ext uri="{FF2B5EF4-FFF2-40B4-BE49-F238E27FC236}">
-                <a16:creationId xmlns:a16="http://schemas.microsoft.com/office/drawing/2014/main" xmlns="" id="{2E6028E3-4806-4E1D-A24F-F8166F67F411}"/>
+                <a16:creationId xmlns="" xmlns:a16="http://schemas.microsoft.com/office/drawing/2014/main" id="{2E6028E3-4806-4E1D-A24F-F8166F67F411}"/>
               </a:ext>
             </a:extLst>
           </p:cNvPr>
@@ -10951,7 +11058,7 @@
           <p:nvPr>
             <p:extLst>
               <p:ext uri="{386F3935-93C4-4BCD-93E2-E3B085C9AB24}">
-                <p16:designElem xmlns:p16="http://schemas.microsoft.com/office/powerpoint/2015/main" xmlns="" val="1"/>
+                <p16:designElem xmlns="" xmlns:p16="http://schemas.microsoft.com/office/powerpoint/2015/main" val="1"/>
               </p:ext>
             </p:extLst>
           </p:nvPr>
@@ -11139,7 +11246,7 @@
           <p:cNvPr id="2" name="Title 1">
             <a:extLst>
               <a:ext uri="{FF2B5EF4-FFF2-40B4-BE49-F238E27FC236}">
-                <a16:creationId xmlns:a16="http://schemas.microsoft.com/office/drawing/2014/main" xmlns="" id="{99D594B5-74AF-41A9-8CF3-390984D23CC0}"/>
+                <a16:creationId xmlns="" xmlns:a16="http://schemas.microsoft.com/office/drawing/2014/main" id="{99D594B5-74AF-41A9-8CF3-390984D23CC0}"/>
               </a:ext>
             </a:extLst>
           </p:cNvPr>
@@ -11175,7 +11282,7 @@
           <p:cNvPr id="15" name="Content Placeholder 2">
             <a:extLst>
               <a:ext uri="{FF2B5EF4-FFF2-40B4-BE49-F238E27FC236}">
-                <a16:creationId xmlns:a16="http://schemas.microsoft.com/office/drawing/2014/main" xmlns="" id="{B1C81A90-71C0-46AB-BE37-055D5CD6006C}"/>
+                <a16:creationId xmlns="" xmlns:a16="http://schemas.microsoft.com/office/drawing/2014/main" id="{B1C81A90-71C0-46AB-BE37-055D5CD6006C}"/>
               </a:ext>
             </a:extLst>
           </p:cNvPr>
@@ -11408,7 +11515,6 @@
               <a:rPr lang="pt-PT" dirty="0" smtClean="0"/>
               <a:t>Testes comunicação</a:t>
             </a:r>
-            <a:endParaRPr lang="pt-PT" dirty="0" smtClean="0"/>
           </a:p>
           <a:p>
             <a:endParaRPr lang="pt-PT" dirty="0"/>
@@ -11500,7 +11606,7 @@
           <p:cNvPr id="10" name="Picture 9">
             <a:extLst>
               <a:ext uri="{FF2B5EF4-FFF2-40B4-BE49-F238E27FC236}">
-                <a16:creationId xmlns:a16="http://schemas.microsoft.com/office/drawing/2014/main" xmlns="" id="{7594FC8B-8CD2-407F-94F1-9C71F5AEC2B6}"/>
+                <a16:creationId xmlns="" xmlns:a16="http://schemas.microsoft.com/office/drawing/2014/main" id="{7594FC8B-8CD2-407F-94F1-9C71F5AEC2B6}"/>
               </a:ext>
             </a:extLst>
           </p:cNvPr>
@@ -11510,7 +11616,7 @@
           <p:nvPr>
             <p:extLst>
               <p:ext uri="{386F3935-93C4-4BCD-93E2-E3B085C9AB24}">
-                <p16:designElem xmlns:p16="http://schemas.microsoft.com/office/powerpoint/2015/main" xmlns="" val="1"/>
+                <p16:designElem xmlns="" xmlns:p16="http://schemas.microsoft.com/office/powerpoint/2015/main" val="1"/>
               </p:ext>
             </p:extLst>
           </p:nvPr>
@@ -11541,7 +11647,7 @@
           <p:cNvPr id="12" name="Picture 11">
             <a:extLst>
               <a:ext uri="{FF2B5EF4-FFF2-40B4-BE49-F238E27FC236}">
-                <a16:creationId xmlns:a16="http://schemas.microsoft.com/office/drawing/2014/main" xmlns="" id="{DBABC971-8D40-4A4F-AC60-28B9172789B9}"/>
+                <a16:creationId xmlns="" xmlns:a16="http://schemas.microsoft.com/office/drawing/2014/main" id="{DBABC971-8D40-4A4F-AC60-28B9172789B9}"/>
               </a:ext>
             </a:extLst>
           </p:cNvPr>
@@ -11551,7 +11657,7 @@
           <p:nvPr>
             <p:extLst>
               <p:ext uri="{386F3935-93C4-4BCD-93E2-E3B085C9AB24}">
-                <p16:designElem xmlns:p16="http://schemas.microsoft.com/office/powerpoint/2015/main" xmlns="" val="1"/>
+                <p16:designElem xmlns="" xmlns:p16="http://schemas.microsoft.com/office/powerpoint/2015/main" val="1"/>
               </p:ext>
             </p:extLst>
           </p:nvPr>
@@ -11582,7 +11688,7 @@
           <p:cNvPr id="14" name="Oval 13">
             <a:extLst>
               <a:ext uri="{FF2B5EF4-FFF2-40B4-BE49-F238E27FC236}">
-                <a16:creationId xmlns:a16="http://schemas.microsoft.com/office/drawing/2014/main" xmlns="" id="{B9C04DC5-313B-4FE4-B868-5672A376419F}"/>
+                <a16:creationId xmlns="" xmlns:a16="http://schemas.microsoft.com/office/drawing/2014/main" id="{B9C04DC5-313B-4FE4-B868-5672A376419F}"/>
               </a:ext>
             </a:extLst>
           </p:cNvPr>
@@ -11592,7 +11698,7 @@
           <p:nvPr>
             <p:extLst>
               <p:ext uri="{386F3935-93C4-4BCD-93E2-E3B085C9AB24}">
-                <p16:designElem xmlns:p16="http://schemas.microsoft.com/office/powerpoint/2015/main" xmlns="" val="1"/>
+                <p16:designElem xmlns="" xmlns:p16="http://schemas.microsoft.com/office/powerpoint/2015/main" val="1"/>
               </p:ext>
             </p:extLst>
           </p:nvPr>
@@ -11659,7 +11765,7 @@
           <p:cNvPr id="16" name="Picture 15">
             <a:extLst>
               <a:ext uri="{FF2B5EF4-FFF2-40B4-BE49-F238E27FC236}">
-                <a16:creationId xmlns:a16="http://schemas.microsoft.com/office/drawing/2014/main" xmlns="" id="{791AE23E-90C9-4963-96E2-8DADBFC3BC09}"/>
+                <a16:creationId xmlns="" xmlns:a16="http://schemas.microsoft.com/office/drawing/2014/main" id="{791AE23E-90C9-4963-96E2-8DADBFC3BC09}"/>
               </a:ext>
             </a:extLst>
           </p:cNvPr>
@@ -11669,7 +11775,7 @@
           <p:nvPr>
             <p:extLst>
               <p:ext uri="{386F3935-93C4-4BCD-93E2-E3B085C9AB24}">
-                <p16:designElem xmlns:p16="http://schemas.microsoft.com/office/powerpoint/2015/main" xmlns="" val="1"/>
+                <p16:designElem xmlns="" xmlns:p16="http://schemas.microsoft.com/office/powerpoint/2015/main" val="1"/>
               </p:ext>
             </p:extLst>
           </p:nvPr>
@@ -11700,7 +11806,7 @@
           <p:cNvPr id="18" name="Picture 17">
             <a:extLst>
               <a:ext uri="{FF2B5EF4-FFF2-40B4-BE49-F238E27FC236}">
-                <a16:creationId xmlns:a16="http://schemas.microsoft.com/office/drawing/2014/main" xmlns="" id="{C5F93E90-4379-4AAC-B021-E5FA6D974AED}"/>
+                <a16:creationId xmlns="" xmlns:a16="http://schemas.microsoft.com/office/drawing/2014/main" id="{C5F93E90-4379-4AAC-B021-E5FA6D974AED}"/>
               </a:ext>
             </a:extLst>
           </p:cNvPr>
@@ -11710,7 +11816,7 @@
           <p:nvPr>
             <p:extLst>
               <p:ext uri="{386F3935-93C4-4BCD-93E2-E3B085C9AB24}">
-                <p16:designElem xmlns:p16="http://schemas.microsoft.com/office/powerpoint/2015/main" xmlns="" val="1"/>
+                <p16:designElem xmlns="" xmlns:p16="http://schemas.microsoft.com/office/powerpoint/2015/main" val="1"/>
               </p:ext>
             </p:extLst>
           </p:nvPr>
@@ -11741,7 +11847,7 @@
           <p:cNvPr id="22" name="Rectangle 21">
             <a:extLst>
               <a:ext uri="{FF2B5EF4-FFF2-40B4-BE49-F238E27FC236}">
-                <a16:creationId xmlns:a16="http://schemas.microsoft.com/office/drawing/2014/main" xmlns="" id="{C9583823-2AA3-46EB-A803-287EC900BC41}"/>
+                <a16:creationId xmlns="" xmlns:a16="http://schemas.microsoft.com/office/drawing/2014/main" id="{C9583823-2AA3-46EB-A803-287EC900BC41}"/>
               </a:ext>
             </a:extLst>
           </p:cNvPr>
@@ -11751,7 +11857,7 @@
           <p:nvPr>
             <p:extLst>
               <p:ext uri="{386F3935-93C4-4BCD-93E2-E3B085C9AB24}">
-                <p16:designElem xmlns:p16="http://schemas.microsoft.com/office/powerpoint/2015/main" xmlns="" val="1"/>
+                <p16:designElem xmlns="" xmlns:p16="http://schemas.microsoft.com/office/powerpoint/2015/main" val="1"/>
               </p:ext>
             </p:extLst>
           </p:nvPr>
@@ -11801,7 +11907,7 @@
           <p:cNvPr id="24" name="Freeform 36">
             <a:extLst>
               <a:ext uri="{FF2B5EF4-FFF2-40B4-BE49-F238E27FC236}">
-                <a16:creationId xmlns:a16="http://schemas.microsoft.com/office/drawing/2014/main" xmlns="" id="{CA87D9D8-42FB-4157-A365-AD97CC6BAFEC}"/>
+                <a16:creationId xmlns="" xmlns:a16="http://schemas.microsoft.com/office/drawing/2014/main" id="{CA87D9D8-42FB-4157-A365-AD97CC6BAFEC}"/>
               </a:ext>
             </a:extLst>
           </p:cNvPr>
@@ -11811,7 +11917,7 @@
           <p:nvPr>
             <p:extLst>
               <p:ext uri="{386F3935-93C4-4BCD-93E2-E3B085C9AB24}">
-                <p16:designElem xmlns:p16="http://schemas.microsoft.com/office/powerpoint/2015/main" xmlns="" val="1"/>
+                <p16:designElem xmlns="" xmlns:p16="http://schemas.microsoft.com/office/powerpoint/2015/main" val="1"/>
               </p:ext>
             </p:extLst>
           </p:nvPr>
@@ -12150,7 +12256,7 @@
           <p:cNvPr id="26" name="Freeform 5">
             <a:extLst>
               <a:ext uri="{FF2B5EF4-FFF2-40B4-BE49-F238E27FC236}">
-                <a16:creationId xmlns:a16="http://schemas.microsoft.com/office/drawing/2014/main" xmlns="" id="{2E6028E3-4806-4E1D-A24F-F8166F67F411}"/>
+                <a16:creationId xmlns="" xmlns:a16="http://schemas.microsoft.com/office/drawing/2014/main" id="{2E6028E3-4806-4E1D-A24F-F8166F67F411}"/>
               </a:ext>
             </a:extLst>
           </p:cNvPr>
@@ -12160,7 +12266,7 @@
           <p:nvPr>
             <p:extLst>
               <p:ext uri="{386F3935-93C4-4BCD-93E2-E3B085C9AB24}">
-                <p16:designElem xmlns:p16="http://schemas.microsoft.com/office/powerpoint/2015/main" xmlns="" val="1"/>
+                <p16:designElem xmlns="" xmlns:p16="http://schemas.microsoft.com/office/powerpoint/2015/main" val="1"/>
               </p:ext>
             </p:extLst>
           </p:nvPr>
@@ -12348,7 +12454,7 @@
           <p:cNvPr id="2" name="Title 1">
             <a:extLst>
               <a:ext uri="{FF2B5EF4-FFF2-40B4-BE49-F238E27FC236}">
-                <a16:creationId xmlns:a16="http://schemas.microsoft.com/office/drawing/2014/main" xmlns="" id="{99D594B5-74AF-41A9-8CF3-390984D23CC0}"/>
+                <a16:creationId xmlns="" xmlns:a16="http://schemas.microsoft.com/office/drawing/2014/main" id="{99D594B5-74AF-41A9-8CF3-390984D23CC0}"/>
               </a:ext>
             </a:extLst>
           </p:cNvPr>
@@ -12384,7 +12490,7 @@
           <p:cNvPr id="17" name="Content Placeholder 2">
             <a:extLst>
               <a:ext uri="{FF2B5EF4-FFF2-40B4-BE49-F238E27FC236}">
-                <a16:creationId xmlns:a16="http://schemas.microsoft.com/office/drawing/2014/main" xmlns="" id="{5E754F74-1A39-44EC-A197-E56116A2B5A3}"/>
+                <a16:creationId xmlns="" xmlns:a16="http://schemas.microsoft.com/office/drawing/2014/main" id="{5E754F74-1A39-44EC-A197-E56116A2B5A3}"/>
               </a:ext>
             </a:extLst>
           </p:cNvPr>
@@ -12617,7 +12723,6 @@
               <a:rPr lang="en-US" dirty="0" smtClean="0"/>
               <a:t>Network Topology</a:t>
             </a:r>
-            <a:endParaRPr lang="en-US" dirty="0" smtClean="0"/>
           </a:p>
           <a:p>
             <a:r>
@@ -12737,7 +12842,7 @@
           <p:cNvPr id="10" name="Picture 9">
             <a:extLst>
               <a:ext uri="{FF2B5EF4-FFF2-40B4-BE49-F238E27FC236}">
-                <a16:creationId xmlns:a16="http://schemas.microsoft.com/office/drawing/2014/main" xmlns="" id="{7594FC8B-8CD2-407F-94F1-9C71F5AEC2B6}"/>
+                <a16:creationId xmlns="" xmlns:a16="http://schemas.microsoft.com/office/drawing/2014/main" id="{7594FC8B-8CD2-407F-94F1-9C71F5AEC2B6}"/>
               </a:ext>
             </a:extLst>
           </p:cNvPr>
@@ -12747,7 +12852,7 @@
           <p:nvPr>
             <p:extLst>
               <p:ext uri="{386F3935-93C4-4BCD-93E2-E3B085C9AB24}">
-                <p16:designElem xmlns:p16="http://schemas.microsoft.com/office/powerpoint/2015/main" xmlns="" val="1"/>
+                <p16:designElem xmlns="" xmlns:p16="http://schemas.microsoft.com/office/powerpoint/2015/main" val="1"/>
               </p:ext>
             </p:extLst>
           </p:nvPr>
@@ -12778,7 +12883,7 @@
           <p:cNvPr id="12" name="Picture 11">
             <a:extLst>
               <a:ext uri="{FF2B5EF4-FFF2-40B4-BE49-F238E27FC236}">
-                <a16:creationId xmlns:a16="http://schemas.microsoft.com/office/drawing/2014/main" xmlns="" id="{DBABC971-8D40-4A4F-AC60-28B9172789B9}"/>
+                <a16:creationId xmlns="" xmlns:a16="http://schemas.microsoft.com/office/drawing/2014/main" id="{DBABC971-8D40-4A4F-AC60-28B9172789B9}"/>
               </a:ext>
             </a:extLst>
           </p:cNvPr>
@@ -12788,7 +12893,7 @@
           <p:nvPr>
             <p:extLst>
               <p:ext uri="{386F3935-93C4-4BCD-93E2-E3B085C9AB24}">
-                <p16:designElem xmlns:p16="http://schemas.microsoft.com/office/powerpoint/2015/main" xmlns="" val="1"/>
+                <p16:designElem xmlns="" xmlns:p16="http://schemas.microsoft.com/office/powerpoint/2015/main" val="1"/>
               </p:ext>
             </p:extLst>
           </p:nvPr>
@@ -12819,7 +12924,7 @@
           <p:cNvPr id="14" name="Oval 13">
             <a:extLst>
               <a:ext uri="{FF2B5EF4-FFF2-40B4-BE49-F238E27FC236}">
-                <a16:creationId xmlns:a16="http://schemas.microsoft.com/office/drawing/2014/main" xmlns="" id="{B9C04DC5-313B-4FE4-B868-5672A376419F}"/>
+                <a16:creationId xmlns="" xmlns:a16="http://schemas.microsoft.com/office/drawing/2014/main" id="{B9C04DC5-313B-4FE4-B868-5672A376419F}"/>
               </a:ext>
             </a:extLst>
           </p:cNvPr>
@@ -12829,7 +12934,7 @@
           <p:nvPr>
             <p:extLst>
               <p:ext uri="{386F3935-93C4-4BCD-93E2-E3B085C9AB24}">
-                <p16:designElem xmlns:p16="http://schemas.microsoft.com/office/powerpoint/2015/main" xmlns="" val="1"/>
+                <p16:designElem xmlns="" xmlns:p16="http://schemas.microsoft.com/office/powerpoint/2015/main" val="1"/>
               </p:ext>
             </p:extLst>
           </p:nvPr>
@@ -12896,7 +13001,7 @@
           <p:cNvPr id="16" name="Picture 15">
             <a:extLst>
               <a:ext uri="{FF2B5EF4-FFF2-40B4-BE49-F238E27FC236}">
-                <a16:creationId xmlns:a16="http://schemas.microsoft.com/office/drawing/2014/main" xmlns="" id="{791AE23E-90C9-4963-96E2-8DADBFC3BC09}"/>
+                <a16:creationId xmlns="" xmlns:a16="http://schemas.microsoft.com/office/drawing/2014/main" id="{791AE23E-90C9-4963-96E2-8DADBFC3BC09}"/>
               </a:ext>
             </a:extLst>
           </p:cNvPr>
@@ -12906,7 +13011,7 @@
           <p:nvPr>
             <p:extLst>
               <p:ext uri="{386F3935-93C4-4BCD-93E2-E3B085C9AB24}">
-                <p16:designElem xmlns:p16="http://schemas.microsoft.com/office/powerpoint/2015/main" xmlns="" val="1"/>
+                <p16:designElem xmlns="" xmlns:p16="http://schemas.microsoft.com/office/powerpoint/2015/main" val="1"/>
               </p:ext>
             </p:extLst>
           </p:nvPr>
@@ -12937,7 +13042,7 @@
           <p:cNvPr id="18" name="Picture 17">
             <a:extLst>
               <a:ext uri="{FF2B5EF4-FFF2-40B4-BE49-F238E27FC236}">
-                <a16:creationId xmlns:a16="http://schemas.microsoft.com/office/drawing/2014/main" xmlns="" id="{C5F93E90-4379-4AAC-B021-E5FA6D974AED}"/>
+                <a16:creationId xmlns="" xmlns:a16="http://schemas.microsoft.com/office/drawing/2014/main" id="{C5F93E90-4379-4AAC-B021-E5FA6D974AED}"/>
               </a:ext>
             </a:extLst>
           </p:cNvPr>
@@ -12947,7 +13052,7 @@
           <p:nvPr>
             <p:extLst>
               <p:ext uri="{386F3935-93C4-4BCD-93E2-E3B085C9AB24}">
-                <p16:designElem xmlns:p16="http://schemas.microsoft.com/office/powerpoint/2015/main" xmlns="" val="1"/>
+                <p16:designElem xmlns="" xmlns:p16="http://schemas.microsoft.com/office/powerpoint/2015/main" val="1"/>
               </p:ext>
             </p:extLst>
           </p:nvPr>
@@ -12978,7 +13083,7 @@
           <p:cNvPr id="22" name="Rectangle 21">
             <a:extLst>
               <a:ext uri="{FF2B5EF4-FFF2-40B4-BE49-F238E27FC236}">
-                <a16:creationId xmlns:a16="http://schemas.microsoft.com/office/drawing/2014/main" xmlns="" id="{C9583823-2AA3-46EB-A803-287EC900BC41}"/>
+                <a16:creationId xmlns="" xmlns:a16="http://schemas.microsoft.com/office/drawing/2014/main" id="{C9583823-2AA3-46EB-A803-287EC900BC41}"/>
               </a:ext>
             </a:extLst>
           </p:cNvPr>
@@ -12988,7 +13093,7 @@
           <p:nvPr>
             <p:extLst>
               <p:ext uri="{386F3935-93C4-4BCD-93E2-E3B085C9AB24}">
-                <p16:designElem xmlns:p16="http://schemas.microsoft.com/office/powerpoint/2015/main" xmlns="" val="1"/>
+                <p16:designElem xmlns="" xmlns:p16="http://schemas.microsoft.com/office/powerpoint/2015/main" val="1"/>
               </p:ext>
             </p:extLst>
           </p:nvPr>
@@ -13038,7 +13143,7 @@
           <p:cNvPr id="24" name="Freeform 36">
             <a:extLst>
               <a:ext uri="{FF2B5EF4-FFF2-40B4-BE49-F238E27FC236}">
-                <a16:creationId xmlns:a16="http://schemas.microsoft.com/office/drawing/2014/main" xmlns="" id="{CA87D9D8-42FB-4157-A365-AD97CC6BAFEC}"/>
+                <a16:creationId xmlns="" xmlns:a16="http://schemas.microsoft.com/office/drawing/2014/main" id="{CA87D9D8-42FB-4157-A365-AD97CC6BAFEC}"/>
               </a:ext>
             </a:extLst>
           </p:cNvPr>
@@ -13048,7 +13153,7 @@
           <p:nvPr>
             <p:extLst>
               <p:ext uri="{386F3935-93C4-4BCD-93E2-E3B085C9AB24}">
-                <p16:designElem xmlns:p16="http://schemas.microsoft.com/office/powerpoint/2015/main" xmlns="" val="1"/>
+                <p16:designElem xmlns="" xmlns:p16="http://schemas.microsoft.com/office/powerpoint/2015/main" val="1"/>
               </p:ext>
             </p:extLst>
           </p:nvPr>
@@ -13387,7 +13492,7 @@
           <p:cNvPr id="26" name="Freeform 5">
             <a:extLst>
               <a:ext uri="{FF2B5EF4-FFF2-40B4-BE49-F238E27FC236}">
-                <a16:creationId xmlns:a16="http://schemas.microsoft.com/office/drawing/2014/main" xmlns="" id="{2E6028E3-4806-4E1D-A24F-F8166F67F411}"/>
+                <a16:creationId xmlns="" xmlns:a16="http://schemas.microsoft.com/office/drawing/2014/main" id="{2E6028E3-4806-4E1D-A24F-F8166F67F411}"/>
               </a:ext>
             </a:extLst>
           </p:cNvPr>
@@ -13397,7 +13502,7 @@
           <p:nvPr>
             <p:extLst>
               <p:ext uri="{386F3935-93C4-4BCD-93E2-E3B085C9AB24}">
-                <p16:designElem xmlns:p16="http://schemas.microsoft.com/office/powerpoint/2015/main" xmlns="" val="1"/>
+                <p16:designElem xmlns="" xmlns:p16="http://schemas.microsoft.com/office/powerpoint/2015/main" val="1"/>
               </p:ext>
             </p:extLst>
           </p:nvPr>
@@ -13585,7 +13690,7 @@
           <p:cNvPr id="2" name="Title 1">
             <a:extLst>
               <a:ext uri="{FF2B5EF4-FFF2-40B4-BE49-F238E27FC236}">
-                <a16:creationId xmlns:a16="http://schemas.microsoft.com/office/drawing/2014/main" xmlns="" id="{99D594B5-74AF-41A9-8CF3-390984D23CC0}"/>
+                <a16:creationId xmlns="" xmlns:a16="http://schemas.microsoft.com/office/drawing/2014/main" id="{99D594B5-74AF-41A9-8CF3-390984D23CC0}"/>
               </a:ext>
             </a:extLst>
           </p:cNvPr>
@@ -13621,7 +13726,7 @@
           <p:cNvPr id="17" name="Content Placeholder 2">
             <a:extLst>
               <a:ext uri="{FF2B5EF4-FFF2-40B4-BE49-F238E27FC236}">
-                <a16:creationId xmlns:a16="http://schemas.microsoft.com/office/drawing/2014/main" xmlns="" id="{5E754F74-1A39-44EC-A197-E56116A2B5A3}"/>
+                <a16:creationId xmlns="" xmlns:a16="http://schemas.microsoft.com/office/drawing/2014/main" id="{5E754F74-1A39-44EC-A197-E56116A2B5A3}"/>
               </a:ext>
             </a:extLst>
           </p:cNvPr>
@@ -13960,7 +14065,7 @@
           <p:cNvPr id="2" name="Title 1">
             <a:extLst>
               <a:ext uri="{FF2B5EF4-FFF2-40B4-BE49-F238E27FC236}">
-                <a16:creationId xmlns:a16="http://schemas.microsoft.com/office/drawing/2014/main" xmlns="" id="{2871B57C-5A8B-4B1F-AC5F-B7BF94F049B1}"/>
+                <a16:creationId xmlns="" xmlns:a16="http://schemas.microsoft.com/office/drawing/2014/main" id="{2871B57C-5A8B-4B1F-AC5F-B7BF94F049B1}"/>
               </a:ext>
             </a:extLst>
           </p:cNvPr>
@@ -13989,7 +14094,7 @@
           <p:cNvPr id="3" name="Content Placeholder 2">
             <a:extLst>
               <a:ext uri="{FF2B5EF4-FFF2-40B4-BE49-F238E27FC236}">
-                <a16:creationId xmlns:a16="http://schemas.microsoft.com/office/drawing/2014/main" xmlns="" id="{826BAAD7-5C2D-4B1A-9C8D-5BFC042FE806}"/>
+                <a16:creationId xmlns="" xmlns:a16="http://schemas.microsoft.com/office/drawing/2014/main" id="{826BAAD7-5C2D-4B1A-9C8D-5BFC042FE806}"/>
               </a:ext>
             </a:extLst>
           </p:cNvPr>
@@ -14042,7 +14147,6 @@
               <a:rPr lang="pt-PT" sz="2400" dirty="0" smtClean="0"/>
               <a:t> com todos os campos do body</a:t>
             </a:r>
-            <a:endParaRPr lang="pt-PT" sz="2400" dirty="0" smtClean="0"/>
           </a:p>
           <a:p>
             <a:endParaRPr lang="pt-PT" sz="2400" dirty="0"/>
@@ -14091,7 +14195,7 @@
           <p:cNvPr id="2" name="Title 1">
             <a:extLst>
               <a:ext uri="{FF2B5EF4-FFF2-40B4-BE49-F238E27FC236}">
-                <a16:creationId xmlns:a16="http://schemas.microsoft.com/office/drawing/2014/main" xmlns="" id="{2871B57C-5A8B-4B1F-AC5F-B7BF94F049B1}"/>
+                <a16:creationId xmlns="" xmlns:a16="http://schemas.microsoft.com/office/drawing/2014/main" id="{2871B57C-5A8B-4B1F-AC5F-B7BF94F049B1}"/>
               </a:ext>
             </a:extLst>
           </p:cNvPr>

--- a/Apresentacao LTI.pptx
+++ b/Apresentacao LTI.pptx
@@ -222,7 +222,7 @@
           <a:p>
             <a:fld id="{8250BEC5-A7F2-420A-A24E-D4730097B2C4}" type="datetimeFigureOut">
               <a:rPr lang="en-US" smtClean="0"/>
-              <a:t>4/12/2018</a:t>
+              <a:t>4/13/2018</a:t>
             </a:fld>
             <a:endParaRPr lang="en-US"/>
           </a:p>
@@ -380,7 +380,7 @@
           <a:p>
             <a:fld id="{CE5B2236-5FA5-4D65-A293-E7125BD065DA}" type="slidenum">
               <a:rPr lang="en-US" smtClean="0"/>
-              <a:t>‹nº›</a:t>
+              <a:t>‹#›</a:t>
             </a:fld>
             <a:endParaRPr lang="en-US"/>
           </a:p>
@@ -1427,7 +1427,7 @@
           <a:p>
             <a:fld id="{4AAD347D-5ACD-4C99-B74B-A9C85AD731AF}" type="datetimeFigureOut">
               <a:rPr lang="en-US" dirty="0"/>
-              <a:t>4/12/2018</a:t>
+              <a:t>4/13/2018</a:t>
             </a:fld>
             <a:endParaRPr lang="en-US" dirty="0"/>
           </a:p>
@@ -1469,7 +1469,7 @@
           <a:p>
             <a:fld id="{D57F1E4F-1CFF-5643-939E-02111984F565}" type="slidenum">
               <a:rPr lang="en-US" dirty="0"/>
-              <a:t>‹nº›</a:t>
+              <a:t>‹#›</a:t>
             </a:fld>
             <a:endParaRPr lang="en-US" dirty="0"/>
           </a:p>
@@ -1697,7 +1697,7 @@
           <a:p>
             <a:fld id="{4509A250-FF31-4206-8172-F9D3106AACB1}" type="datetimeFigureOut">
               <a:rPr lang="en-US" dirty="0"/>
-              <a:t>4/12/2018</a:t>
+              <a:t>4/13/2018</a:t>
             </a:fld>
             <a:endParaRPr lang="en-US" dirty="0"/>
           </a:p>
@@ -1739,7 +1739,7 @@
           <a:p>
             <a:fld id="{D57F1E4F-1CFF-5643-939E-02111984F565}" type="slidenum">
               <a:rPr lang="en-US" dirty="0"/>
-              <a:t>‹nº›</a:t>
+              <a:t>‹#›</a:t>
             </a:fld>
             <a:endParaRPr lang="en-US" dirty="0"/>
           </a:p>
@@ -1886,7 +1886,7 @@
           <a:p>
             <a:fld id="{4509A250-FF31-4206-8172-F9D3106AACB1}" type="datetimeFigureOut">
               <a:rPr lang="en-US" dirty="0"/>
-              <a:t>4/12/2018</a:t>
+              <a:t>4/13/2018</a:t>
             </a:fld>
             <a:endParaRPr lang="en-US" dirty="0"/>
           </a:p>
@@ -1928,7 +1928,7 @@
           <a:p>
             <a:fld id="{D57F1E4F-1CFF-5643-939E-02111984F565}" type="slidenum">
               <a:rPr lang="en-US" dirty="0"/>
-              <a:t>‹nº›</a:t>
+              <a:t>‹#›</a:t>
             </a:fld>
             <a:endParaRPr lang="en-US" dirty="0"/>
           </a:p>
@@ -2149,7 +2149,7 @@
           <a:p>
             <a:fld id="{4509A250-FF31-4206-8172-F9D3106AACB1}" type="datetimeFigureOut">
               <a:rPr lang="en-US" dirty="0"/>
-              <a:t>4/12/2018</a:t>
+              <a:t>4/13/2018</a:t>
             </a:fld>
             <a:endParaRPr lang="en-US" dirty="0"/>
           </a:p>
@@ -2191,7 +2191,7 @@
           <a:p>
             <a:fld id="{D57F1E4F-1CFF-5643-939E-02111984F565}" type="slidenum">
               <a:rPr lang="en-US" dirty="0"/>
-              <a:t>‹nº›</a:t>
+              <a:t>‹#›</a:t>
             </a:fld>
             <a:endParaRPr lang="en-US" dirty="0"/>
           </a:p>
@@ -2476,7 +2476,7 @@
           <a:p>
             <a:fld id="{4509A250-FF31-4206-8172-F9D3106AACB1}" type="datetimeFigureOut">
               <a:rPr lang="en-US" dirty="0"/>
-              <a:t>4/12/2018</a:t>
+              <a:t>4/13/2018</a:t>
             </a:fld>
             <a:endParaRPr lang="en-US" dirty="0"/>
           </a:p>
@@ -2518,7 +2518,7 @@
           <a:p>
             <a:fld id="{D57F1E4F-1CFF-5643-939E-02111984F565}" type="slidenum">
               <a:rPr lang="en-US" dirty="0"/>
-              <a:t>‹nº›</a:t>
+              <a:t>‹#›</a:t>
             </a:fld>
             <a:endParaRPr lang="en-US" dirty="0"/>
           </a:p>
@@ -3081,7 +3081,7 @@
           <a:p>
             <a:fld id="{4509A250-FF31-4206-8172-F9D3106AACB1}" type="datetimeFigureOut">
               <a:rPr lang="en-US" dirty="0"/>
-              <a:t>4/12/2018</a:t>
+              <a:t>4/13/2018</a:t>
             </a:fld>
             <a:endParaRPr lang="en-US" dirty="0"/>
           </a:p>
@@ -3123,7 +3123,7 @@
           <a:p>
             <a:fld id="{D57F1E4F-1CFF-5643-939E-02111984F565}" type="slidenum">
               <a:rPr lang="en-US" dirty="0"/>
-              <a:t>‹nº›</a:t>
+              <a:t>‹#›</a:t>
             </a:fld>
             <a:endParaRPr lang="en-US" dirty="0"/>
           </a:p>
@@ -3923,7 +3923,7 @@
           <a:p>
             <a:fld id="{4509A250-FF31-4206-8172-F9D3106AACB1}" type="datetimeFigureOut">
               <a:rPr lang="en-US" dirty="0"/>
-              <a:t>4/12/2018</a:t>
+              <a:t>4/13/2018</a:t>
             </a:fld>
             <a:endParaRPr lang="en-US" dirty="0"/>
           </a:p>
@@ -3965,7 +3965,7 @@
           <a:p>
             <a:fld id="{D57F1E4F-1CFF-5643-939E-02111984F565}" type="slidenum">
               <a:rPr lang="en-US" dirty="0"/>
-              <a:t>‹nº›</a:t>
+              <a:t>‹#›</a:t>
             </a:fld>
             <a:endParaRPr lang="en-US" dirty="0"/>
           </a:p>
@@ -4088,7 +4088,7 @@
           <a:p>
             <a:fld id="{4509A250-FF31-4206-8172-F9D3106AACB1}" type="datetimeFigureOut">
               <a:rPr lang="en-US" dirty="0"/>
-              <a:t>4/12/2018</a:t>
+              <a:t>4/13/2018</a:t>
             </a:fld>
             <a:endParaRPr lang="en-US" dirty="0"/>
           </a:p>
@@ -4130,7 +4130,7 @@
           <a:p>
             <a:fld id="{D57F1E4F-1CFF-5643-939E-02111984F565}" type="slidenum">
               <a:rPr lang="en-US" dirty="0"/>
-              <a:t>‹nº›</a:t>
+              <a:t>‹#›</a:t>
             </a:fld>
             <a:endParaRPr lang="en-US" dirty="0"/>
           </a:p>
@@ -4263,7 +4263,7 @@
           <a:p>
             <a:fld id="{4509A250-FF31-4206-8172-F9D3106AACB1}" type="datetimeFigureOut">
               <a:rPr lang="en-US" dirty="0"/>
-              <a:t>4/12/2018</a:t>
+              <a:t>4/13/2018</a:t>
             </a:fld>
             <a:endParaRPr lang="en-US" dirty="0"/>
           </a:p>
@@ -4305,7 +4305,7 @@
           <a:p>
             <a:fld id="{D57F1E4F-1CFF-5643-939E-02111984F565}" type="slidenum">
               <a:rPr lang="en-US" dirty="0"/>
-              <a:t>‹nº›</a:t>
+              <a:t>‹#›</a:t>
             </a:fld>
             <a:endParaRPr lang="en-US" dirty="0"/>
           </a:p>
@@ -4428,7 +4428,7 @@
           <a:p>
             <a:fld id="{4509A250-FF31-4206-8172-F9D3106AACB1}" type="datetimeFigureOut">
               <a:rPr lang="en-US" dirty="0"/>
-              <a:t>4/12/2018</a:t>
+              <a:t>4/13/2018</a:t>
             </a:fld>
             <a:endParaRPr lang="en-US" dirty="0"/>
           </a:p>
@@ -4470,7 +4470,7 @@
           <a:p>
             <a:fld id="{D57F1E4F-1CFF-5643-939E-02111984F565}" type="slidenum">
               <a:rPr lang="en-US" dirty="0"/>
-              <a:t>‹nº›</a:t>
+              <a:t>‹#›</a:t>
             </a:fld>
             <a:endParaRPr lang="en-US" dirty="0"/>
           </a:p>
@@ -4481,13 +4481,6 @@
   <p:clrMapOvr>
     <a:masterClrMapping/>
   </p:clrMapOvr>
-  <p:timing>
-    <p:tnLst>
-      <p:par>
-        <p:cTn id="1" dur="indefinite" restart="never" nodeType="tmRoot"/>
-      </p:par>
-    </p:tnLst>
-  </p:timing>
 </p:sldLayout>
 </file>
 
@@ -4674,7 +4667,7 @@
           <a:p>
             <a:fld id="{4509A250-FF31-4206-8172-F9D3106AACB1}" type="datetimeFigureOut">
               <a:rPr lang="en-US" dirty="0"/>
-              <a:t>4/12/2018</a:t>
+              <a:t>4/13/2018</a:t>
             </a:fld>
             <a:endParaRPr lang="en-US" dirty="0"/>
           </a:p>
@@ -4716,7 +4709,7 @@
           <a:p>
             <a:fld id="{D57F1E4F-1CFF-5643-939E-02111984F565}" type="slidenum">
               <a:rPr lang="en-US" dirty="0"/>
-              <a:t>‹nº›</a:t>
+              <a:t>‹#›</a:t>
             </a:fld>
             <a:endParaRPr lang="en-US" dirty="0"/>
           </a:p>
@@ -4961,7 +4954,7 @@
           <a:p>
             <a:fld id="{4509A250-FF31-4206-8172-F9D3106AACB1}" type="datetimeFigureOut">
               <a:rPr lang="en-US" dirty="0"/>
-              <a:t>4/12/2018</a:t>
+              <a:t>4/13/2018</a:t>
             </a:fld>
             <a:endParaRPr lang="en-US" dirty="0"/>
           </a:p>
@@ -5003,7 +4996,7 @@
           <a:p>
             <a:fld id="{D57F1E4F-1CFF-5643-939E-02111984F565}" type="slidenum">
               <a:rPr lang="en-US" dirty="0"/>
-              <a:t>‹nº›</a:t>
+              <a:t>‹#›</a:t>
             </a:fld>
             <a:endParaRPr lang="en-US" dirty="0"/>
           </a:p>
@@ -5394,7 +5387,7 @@
           <a:p>
             <a:fld id="{4509A250-FF31-4206-8172-F9D3106AACB1}" type="datetimeFigureOut">
               <a:rPr lang="en-US" dirty="0"/>
-              <a:t>4/12/2018</a:t>
+              <a:t>4/13/2018</a:t>
             </a:fld>
             <a:endParaRPr lang="en-US" dirty="0"/>
           </a:p>
@@ -5436,7 +5429,7 @@
           <a:p>
             <a:fld id="{D57F1E4F-1CFF-5643-939E-02111984F565}" type="slidenum">
               <a:rPr lang="en-US" dirty="0"/>
-              <a:t>‹nº›</a:t>
+              <a:t>‹#›</a:t>
             </a:fld>
             <a:endParaRPr lang="en-US" dirty="0"/>
           </a:p>
@@ -5507,7 +5500,7 @@
           <a:p>
             <a:fld id="{4509A250-FF31-4206-8172-F9D3106AACB1}" type="datetimeFigureOut">
               <a:rPr lang="en-US" dirty="0"/>
-              <a:t>4/12/2018</a:t>
+              <a:t>4/13/2018</a:t>
             </a:fld>
             <a:endParaRPr lang="en-US" dirty="0"/>
           </a:p>
@@ -5549,7 +5542,7 @@
           <a:p>
             <a:fld id="{D57F1E4F-1CFF-5643-939E-02111984F565}" type="slidenum">
               <a:rPr lang="en-US" dirty="0"/>
-              <a:t>‹nº›</a:t>
+              <a:t>‹#›</a:t>
             </a:fld>
             <a:endParaRPr lang="en-US" dirty="0"/>
           </a:p>
@@ -5597,7 +5590,7 @@
           <a:p>
             <a:fld id="{4509A250-FF31-4206-8172-F9D3106AACB1}" type="datetimeFigureOut">
               <a:rPr lang="en-US" dirty="0"/>
-              <a:t>4/12/2018</a:t>
+              <a:t>4/13/2018</a:t>
             </a:fld>
             <a:endParaRPr lang="en-US" dirty="0"/>
           </a:p>
@@ -5639,7 +5632,7 @@
           <a:p>
             <a:fld id="{D57F1E4F-1CFF-5643-939E-02111984F565}" type="slidenum">
               <a:rPr lang="en-US" dirty="0"/>
-              <a:t>‹nº›</a:t>
+              <a:t>‹#›</a:t>
             </a:fld>
             <a:endParaRPr lang="en-US" dirty="0"/>
           </a:p>
@@ -5871,7 +5864,7 @@
           <a:p>
             <a:fld id="{4509A250-FF31-4206-8172-F9D3106AACB1}" type="datetimeFigureOut">
               <a:rPr lang="en-US" dirty="0"/>
-              <a:t>4/12/2018</a:t>
+              <a:t>4/13/2018</a:t>
             </a:fld>
             <a:endParaRPr lang="en-US" dirty="0"/>
           </a:p>
@@ -5913,7 +5906,7 @@
           <a:p>
             <a:fld id="{D57F1E4F-1CFF-5643-939E-02111984F565}" type="slidenum">
               <a:rPr lang="en-US" dirty="0"/>
-              <a:t>‹nº›</a:t>
+              <a:t>‹#›</a:t>
             </a:fld>
             <a:endParaRPr lang="en-US" dirty="0"/>
           </a:p>
@@ -6141,7 +6134,7 @@
           <a:p>
             <a:fld id="{4509A250-FF31-4206-8172-F9D3106AACB1}" type="datetimeFigureOut">
               <a:rPr lang="en-US" dirty="0"/>
-              <a:t>4/12/2018</a:t>
+              <a:t>4/13/2018</a:t>
             </a:fld>
             <a:endParaRPr lang="en-US" dirty="0"/>
           </a:p>
@@ -6183,7 +6176,7 @@
           <a:p>
             <a:fld id="{D57F1E4F-1CFF-5643-939E-02111984F565}" type="slidenum">
               <a:rPr lang="en-US" dirty="0"/>
-              <a:t>‹nº›</a:t>
+              <a:t>‹#›</a:t>
             </a:fld>
             <a:endParaRPr lang="en-US" dirty="0"/>
           </a:p>
@@ -6565,7 +6558,7 @@
           <a:p>
             <a:fld id="{4509A250-FF31-4206-8172-F9D3106AACB1}" type="datetimeFigureOut">
               <a:rPr lang="en-US" dirty="0"/>
-              <a:t>4/12/2018</a:t>
+              <a:t>4/13/2018</a:t>
             </a:fld>
             <a:endParaRPr lang="en-US" dirty="0"/>
           </a:p>
@@ -6644,7 +6637,7 @@
           <a:p>
             <a:fld id="{D57F1E4F-1CFF-5643-939E-02111984F565}" type="slidenum">
               <a:rPr lang="en-US" dirty="0"/>
-              <a:t>‹nº›</a:t>
+              <a:t>‹#›</a:t>
             </a:fld>
             <a:endParaRPr lang="en-US" dirty="0"/>
           </a:p>
@@ -7067,7 +7060,7 @@
           <p:cNvPr id="2" name="Title 1">
             <a:extLst>
               <a:ext uri="{FF2B5EF4-FFF2-40B4-BE49-F238E27FC236}">
-                <a16:creationId xmlns:a16="http://schemas.microsoft.com/office/drawing/2014/main" xmlns="" id="{1D719F42-7E77-40CF-BD6C-4D82ADA635A6}"/>
+                <a16:creationId xmlns:a16="http://schemas.microsoft.com/office/drawing/2014/main" id="{1D719F42-7E77-40CF-BD6C-4D82ADA635A6}"/>
               </a:ext>
             </a:extLst>
           </p:cNvPr>
@@ -7092,7 +7085,6 @@
               <a:rPr lang="en-US" sz="4000" dirty="0"/>
               <a:t>Cloud – Analytics – Service Assurance</a:t>
             </a:r>
-            <a:endParaRPr lang="en-US" sz="4000" dirty="0"/>
           </a:p>
         </p:txBody>
       </p:sp>
@@ -7101,7 +7093,7 @@
           <p:cNvPr id="3" name="Subtitle 2">
             <a:extLst>
               <a:ext uri="{FF2B5EF4-FFF2-40B4-BE49-F238E27FC236}">
-                <a16:creationId xmlns:a16="http://schemas.microsoft.com/office/drawing/2014/main" xmlns="" id="{BC039C7D-6605-413D-B260-5203F9BAD1B3}"/>
+                <a16:creationId xmlns:a16="http://schemas.microsoft.com/office/drawing/2014/main" id="{BC039C7D-6605-413D-B260-5203F9BAD1B3}"/>
               </a:ext>
             </a:extLst>
           </p:cNvPr>
@@ -7140,7 +7132,7 @@
           <p:cNvPr id="1026" name="Picture 2" descr="Image result for ipleiria">
             <a:extLst>
               <a:ext uri="{FF2B5EF4-FFF2-40B4-BE49-F238E27FC236}">
-                <a16:creationId xmlns:a16="http://schemas.microsoft.com/office/drawing/2014/main" xmlns="" id="{F14042B0-C17B-4D00-810C-494799EEACEC}"/>
+                <a16:creationId xmlns:a16="http://schemas.microsoft.com/office/drawing/2014/main" id="{F14042B0-C17B-4D00-810C-494799EEACEC}"/>
               </a:ext>
             </a:extLst>
           </p:cNvPr>
@@ -7187,7 +7179,7 @@
           <p:cNvPr id="5" name="Subtitle 2">
             <a:extLst>
               <a:ext uri="{FF2B5EF4-FFF2-40B4-BE49-F238E27FC236}">
-                <a16:creationId xmlns:a16="http://schemas.microsoft.com/office/drawing/2014/main" xmlns="" id="{F6031987-2D79-4E50-B9BA-B79A8F3D54EE}"/>
+                <a16:creationId xmlns:a16="http://schemas.microsoft.com/office/drawing/2014/main" id="{F6031987-2D79-4E50-B9BA-B79A8F3D54EE}"/>
               </a:ext>
             </a:extLst>
           </p:cNvPr>
@@ -7207,7 +7199,7 @@
         </p:spPr>
         <p:txBody>
           <a:bodyPr vert="horz" lIns="91440" tIns="45720" rIns="91440" bIns="45720" rtlCol="0" anchor="t">
-            <a:normAutofit/>
+            <a:normAutofit lnSpcReduction="10000"/>
           </a:bodyPr>
           <a:lstStyle>
             <a:lvl1pPr marL="0" indent="0" algn="l" defTabSz="457200" rtl="0" eaLnBrk="1" latinLnBrk="0" hangingPunct="1">
@@ -7461,6 +7453,18 @@
             </a:r>
             <a:endParaRPr lang="en-US" sz="1200" dirty="0"/>
           </a:p>
+          <a:p>
+            <a:pPr algn="r"/>
+            <a:r>
+              <a:rPr lang="en-US" sz="1200" dirty="0"/>
+              <a:t>Professor Paulo </a:t>
+            </a:r>
+            <a:r>
+              <a:rPr lang="en-US" sz="1200" dirty="0" err="1"/>
+              <a:t>valente</a:t>
+            </a:r>
+            <a:endParaRPr lang="en-US" sz="1200" dirty="0"/>
+          </a:p>
         </p:txBody>
       </p:sp>
     </p:spTree>
@@ -7473,13 +7477,6 @@
   <p:clrMapOvr>
     <a:masterClrMapping/>
   </p:clrMapOvr>
-  <p:timing>
-    <p:tnLst>
-      <p:par>
-        <p:cTn id="1" dur="indefinite" restart="never" nodeType="tmRoot"/>
-      </p:par>
-    </p:tnLst>
-  </p:timing>
 </p:sld>
 </file>
 
@@ -7530,7 +7527,7 @@
           <p:cNvPr id="2052" name="Rectangle 70">
             <a:extLst>
               <a:ext uri="{FF2B5EF4-FFF2-40B4-BE49-F238E27FC236}">
-                <a16:creationId xmlns:a16="http://schemas.microsoft.com/office/drawing/2014/main" xmlns="" id="{4109C3C2-C0A8-4559-8462-8007573DF44C}"/>
+                <a16:creationId xmlns:a16="http://schemas.microsoft.com/office/drawing/2014/main" id="{4109C3C2-C0A8-4559-8462-8007573DF44C}"/>
               </a:ext>
             </a:extLst>
           </p:cNvPr>
@@ -7540,7 +7537,7 @@
           <p:nvPr>
             <p:extLst>
               <p:ext uri="{386F3935-93C4-4BCD-93E2-E3B085C9AB24}">
-                <p16:designElem xmlns:p16="http://schemas.microsoft.com/office/powerpoint/2015/main" xmlns="" val="1"/>
+                <p16:designElem xmlns:p16="http://schemas.microsoft.com/office/powerpoint/2015/main" val="1"/>
               </p:ext>
             </p:extLst>
           </p:nvPr>
@@ -7590,7 +7587,7 @@
           <p:cNvPr id="73" name="Freeform 31">
             <a:extLst>
               <a:ext uri="{FF2B5EF4-FFF2-40B4-BE49-F238E27FC236}">
-                <a16:creationId xmlns:a16="http://schemas.microsoft.com/office/drawing/2014/main" xmlns="" id="{D6CEF2A9-EF08-4FB3-AFFB-C5F77AB6E028}"/>
+                <a16:creationId xmlns:a16="http://schemas.microsoft.com/office/drawing/2014/main" id="{D6CEF2A9-EF08-4FB3-AFFB-C5F77AB6E028}"/>
               </a:ext>
             </a:extLst>
           </p:cNvPr>
@@ -7600,7 +7597,7 @@
           <p:nvPr>
             <p:extLst>
               <p:ext uri="{386F3935-93C4-4BCD-93E2-E3B085C9AB24}">
-                <p16:designElem xmlns:p16="http://schemas.microsoft.com/office/powerpoint/2015/main" xmlns="" val="1"/>
+                <p16:designElem xmlns:p16="http://schemas.microsoft.com/office/powerpoint/2015/main" val="1"/>
               </p:ext>
             </p:extLst>
           </p:nvPr>
@@ -7939,7 +7936,7 @@
           <p:cNvPr id="75" name="Freeform 5">
             <a:extLst>
               <a:ext uri="{FF2B5EF4-FFF2-40B4-BE49-F238E27FC236}">
-                <a16:creationId xmlns:a16="http://schemas.microsoft.com/office/drawing/2014/main" xmlns="" id="{4C535542-B72A-4DE0-BE5A-5EA00508C77D}"/>
+                <a16:creationId xmlns:a16="http://schemas.microsoft.com/office/drawing/2014/main" id="{4C535542-B72A-4DE0-BE5A-5EA00508C77D}"/>
               </a:ext>
             </a:extLst>
           </p:cNvPr>
@@ -7949,7 +7946,7 @@
           <p:nvPr>
             <p:extLst>
               <p:ext uri="{386F3935-93C4-4BCD-93E2-E3B085C9AB24}">
-                <p16:designElem xmlns:p16="http://schemas.microsoft.com/office/powerpoint/2015/main" xmlns="" val="1"/>
+                <p16:designElem xmlns:p16="http://schemas.microsoft.com/office/powerpoint/2015/main" val="1"/>
               </p:ext>
             </p:extLst>
           </p:nvPr>
@@ -8137,7 +8134,7 @@
           <p:cNvPr id="2" name="Title 1">
             <a:extLst>
               <a:ext uri="{FF2B5EF4-FFF2-40B4-BE49-F238E27FC236}">
-                <a16:creationId xmlns:a16="http://schemas.microsoft.com/office/drawing/2014/main" xmlns="" id="{8378F806-4A4C-4FC1-8E37-BEE67E34701D}"/>
+                <a16:creationId xmlns:a16="http://schemas.microsoft.com/office/drawing/2014/main" id="{8378F806-4A4C-4FC1-8E37-BEE67E34701D}"/>
               </a:ext>
             </a:extLst>
           </p:cNvPr>
@@ -8161,11 +8158,11 @@
           <a:lstStyle/>
           <a:p>
             <a:r>
-              <a:rPr lang="pt-PT" sz="4000" dirty="0" smtClean="0"/>
+              <a:rPr lang="pt-PT" sz="4000" dirty="0"/>
               <a:t>Arquitetura</a:t>
             </a:r>
             <a:br>
-              <a:rPr lang="pt-PT" sz="4000" dirty="0" smtClean="0"/>
+              <a:rPr lang="pt-PT" sz="4000" dirty="0"/>
             </a:br>
             <a:endParaRPr lang="pt-PT" dirty="0"/>
           </a:p>
@@ -8200,7 +8197,7 @@
           <p:cNvPr id="11" name="Content Placeholder 2">
             <a:extLst>
               <a:ext uri="{FF2B5EF4-FFF2-40B4-BE49-F238E27FC236}">
-                <a16:creationId xmlns:a16="http://schemas.microsoft.com/office/drawing/2014/main" xmlns="" id="{E140D122-DCB5-4731-9CD5-FB0D92193A22}"/>
+                <a16:creationId xmlns:a16="http://schemas.microsoft.com/office/drawing/2014/main" id="{E140D122-DCB5-4731-9CD5-FB0D92193A22}"/>
               </a:ext>
             </a:extLst>
           </p:cNvPr>
@@ -8224,13 +8221,13 @@
           <a:lstStyle/>
           <a:p>
             <a:r>
-              <a:rPr lang="en-US" sz="2400" dirty="0" err="1" smtClean="0"/>
+              <a:rPr lang="en-US" sz="2400" dirty="0" err="1"/>
               <a:t>AnyWhere</a:t>
             </a:r>
-            <a:endParaRPr lang="en-US" dirty="0" smtClean="0"/>
-          </a:p>
-          <a:p>
-            <a:endParaRPr lang="en-US" dirty="0" smtClean="0"/>
+            <a:endParaRPr lang="en-US" dirty="0"/>
+          </a:p>
+          <a:p>
+            <a:endParaRPr lang="en-US" dirty="0"/>
           </a:p>
         </p:txBody>
       </p:sp>
@@ -8244,13 +8241,6 @@
   <p:clrMapOvr>
     <a:masterClrMapping/>
   </p:clrMapOvr>
-  <p:timing>
-    <p:tnLst>
-      <p:par>
-        <p:cTn id="1" dur="indefinite" restart="never" nodeType="tmRoot"/>
-      </p:par>
-    </p:tnLst>
-  </p:timing>
 </p:sld>
 </file>
 
@@ -8301,7 +8291,7 @@
           <p:cNvPr id="201" name="Rectangle 200">
             <a:extLst>
               <a:ext uri="{FF2B5EF4-FFF2-40B4-BE49-F238E27FC236}">
-                <a16:creationId xmlns:a16="http://schemas.microsoft.com/office/drawing/2014/main" xmlns="" id="{4109C3C2-C0A8-4559-8462-8007573DF44C}"/>
+                <a16:creationId xmlns:a16="http://schemas.microsoft.com/office/drawing/2014/main" id="{4109C3C2-C0A8-4559-8462-8007573DF44C}"/>
               </a:ext>
             </a:extLst>
           </p:cNvPr>
@@ -8311,7 +8301,7 @@
           <p:nvPr>
             <p:extLst>
               <p:ext uri="{386F3935-93C4-4BCD-93E2-E3B085C9AB24}">
-                <p16:designElem xmlns:p16="http://schemas.microsoft.com/office/powerpoint/2015/main" xmlns="" val="1"/>
+                <p16:designElem xmlns:p16="http://schemas.microsoft.com/office/powerpoint/2015/main" val="1"/>
               </p:ext>
             </p:extLst>
           </p:nvPr>
@@ -8361,7 +8351,7 @@
           <p:cNvPr id="203" name="Freeform 31">
             <a:extLst>
               <a:ext uri="{FF2B5EF4-FFF2-40B4-BE49-F238E27FC236}">
-                <a16:creationId xmlns:a16="http://schemas.microsoft.com/office/drawing/2014/main" xmlns="" id="{D6CEF2A9-EF08-4FB3-AFFB-C5F77AB6E028}"/>
+                <a16:creationId xmlns:a16="http://schemas.microsoft.com/office/drawing/2014/main" id="{D6CEF2A9-EF08-4FB3-AFFB-C5F77AB6E028}"/>
               </a:ext>
             </a:extLst>
           </p:cNvPr>
@@ -8371,7 +8361,7 @@
           <p:nvPr>
             <p:extLst>
               <p:ext uri="{386F3935-93C4-4BCD-93E2-E3B085C9AB24}">
-                <p16:designElem xmlns:p16="http://schemas.microsoft.com/office/powerpoint/2015/main" xmlns="" val="1"/>
+                <p16:designElem xmlns:p16="http://schemas.microsoft.com/office/powerpoint/2015/main" val="1"/>
               </p:ext>
             </p:extLst>
           </p:nvPr>
@@ -8710,7 +8700,7 @@
           <p:cNvPr id="205" name="Freeform 5">
             <a:extLst>
               <a:ext uri="{FF2B5EF4-FFF2-40B4-BE49-F238E27FC236}">
-                <a16:creationId xmlns:a16="http://schemas.microsoft.com/office/drawing/2014/main" xmlns="" id="{4C535542-B72A-4DE0-BE5A-5EA00508C77D}"/>
+                <a16:creationId xmlns:a16="http://schemas.microsoft.com/office/drawing/2014/main" id="{4C535542-B72A-4DE0-BE5A-5EA00508C77D}"/>
               </a:ext>
             </a:extLst>
           </p:cNvPr>
@@ -8720,7 +8710,7 @@
           <p:nvPr>
             <p:extLst>
               <p:ext uri="{386F3935-93C4-4BCD-93E2-E3B085C9AB24}">
-                <p16:designElem xmlns:p16="http://schemas.microsoft.com/office/powerpoint/2015/main" xmlns="" val="1"/>
+                <p16:designElem xmlns:p16="http://schemas.microsoft.com/office/powerpoint/2015/main" val="1"/>
               </p:ext>
             </p:extLst>
           </p:nvPr>
@@ -8908,7 +8898,7 @@
           <p:cNvPr id="3" name="Content Placeholder 2">
             <a:extLst>
               <a:ext uri="{FF2B5EF4-FFF2-40B4-BE49-F238E27FC236}">
-                <a16:creationId xmlns:a16="http://schemas.microsoft.com/office/drawing/2014/main" xmlns="" id="{E140D122-DCB5-4731-9CD5-FB0D92193A22}"/>
+                <a16:creationId xmlns:a16="http://schemas.microsoft.com/office/drawing/2014/main" id="{E140D122-DCB5-4731-9CD5-FB0D92193A22}"/>
               </a:ext>
             </a:extLst>
           </p:cNvPr>
@@ -8932,20 +8922,37 @@
           <a:lstStyle/>
           <a:p>
             <a:r>
-              <a:rPr lang="en-US" sz="2400" dirty="0" smtClean="0"/>
+              <a:rPr lang="en-US" sz="2400" dirty="0"/>
               <a:t>APP </a:t>
             </a:r>
             <a:r>
-              <a:rPr lang="en-US" dirty="0" smtClean="0"/>
+              <a:rPr lang="en-US" dirty="0"/>
+              <a:t>(C#)</a:t>
+            </a:r>
+          </a:p>
+          <a:p>
+            <a:endParaRPr lang="en-US" dirty="0"/>
+          </a:p>
+          <a:p>
+            <a:r>
+              <a:rPr lang="en-US" sz="2400" dirty="0"/>
+              <a:t>SDN Controller</a:t>
+            </a:r>
+            <a:r>
+              <a:rPr lang="en-US" sz="2800" dirty="0"/>
+              <a:t> </a:t>
+            </a:r>
+            <a:r>
+              <a:rPr lang="en-US" dirty="0"/>
               <a:t>(</a:t>
             </a:r>
             <a:r>
-              <a:rPr lang="en-US" dirty="0"/>
-              <a:t>C</a:t>
+              <a:rPr lang="en-US" dirty="0" err="1"/>
+              <a:t>OpenDayLight</a:t>
             </a:r>
             <a:r>
-              <a:rPr lang="en-US" dirty="0" smtClean="0"/>
-              <a:t>#)</a:t>
+              <a:rPr lang="en-US" dirty="0"/>
+              <a:t>)</a:t>
             </a:r>
           </a:p>
           <a:p>
@@ -8953,53 +8960,24 @@
           </a:p>
           <a:p>
             <a:r>
-              <a:rPr lang="en-US" sz="2400" dirty="0" smtClean="0"/>
-              <a:t>SDN Controller</a:t>
+              <a:rPr lang="en-US" sz="2400" dirty="0"/>
+              <a:t>Virtual Network </a:t>
             </a:r>
             <a:r>
-              <a:rPr lang="en-US" sz="2800" dirty="0" smtClean="0"/>
-              <a:t> </a:t>
-            </a:r>
-            <a:r>
-              <a:rPr lang="en-US" dirty="0" smtClean="0"/>
+              <a:rPr lang="en-US" dirty="0"/>
               <a:t>(</a:t>
             </a:r>
             <a:r>
-              <a:rPr lang="en-US" dirty="0" err="1" smtClean="0"/>
-              <a:t>OpenDayLight</a:t>
-            </a:r>
-            <a:r>
-              <a:rPr lang="en-US" dirty="0" smtClean="0"/>
-              <a:t>)</a:t>
-            </a:r>
-          </a:p>
-          <a:p>
-            <a:endParaRPr lang="en-US" dirty="0" smtClean="0"/>
-          </a:p>
-          <a:p>
-            <a:r>
-              <a:rPr lang="en-US" sz="2400" dirty="0" smtClean="0"/>
-              <a:t>Virtual Network</a:t>
-            </a:r>
-            <a:r>
-              <a:rPr lang="en-US" sz="2400" dirty="0"/>
-              <a:t> </a:t>
-            </a:r>
-            <a:r>
-              <a:rPr lang="en-US" dirty="0" smtClean="0"/>
-              <a:t>(</a:t>
-            </a:r>
-            <a:r>
-              <a:rPr lang="en-US" dirty="0" err="1" smtClean="0"/>
+              <a:rPr lang="en-US" dirty="0" err="1"/>
               <a:t>Mininet</a:t>
             </a:r>
             <a:r>
-              <a:rPr lang="en-US" dirty="0" smtClean="0"/>
+              <a:rPr lang="en-US" dirty="0"/>
               <a:t>)</a:t>
             </a:r>
           </a:p>
           <a:p>
-            <a:endParaRPr lang="en-US" dirty="0" smtClean="0"/>
+            <a:endParaRPr lang="en-US" dirty="0"/>
           </a:p>
         </p:txBody>
       </p:sp>
@@ -9036,7 +9014,7 @@
           <p:cNvPr id="10" name="Title 1">
             <a:extLst>
               <a:ext uri="{FF2B5EF4-FFF2-40B4-BE49-F238E27FC236}">
-                <a16:creationId xmlns:a16="http://schemas.microsoft.com/office/drawing/2014/main" xmlns="" id="{8378F806-4A4C-4FC1-8E37-BEE67E34701D}"/>
+                <a16:creationId xmlns:a16="http://schemas.microsoft.com/office/drawing/2014/main" id="{8378F806-4A4C-4FC1-8E37-BEE67E34701D}"/>
               </a:ext>
             </a:extLst>
           </p:cNvPr>
@@ -9132,7 +9110,7 @@
           </a:lstStyle>
           <a:p>
             <a:r>
-              <a:rPr lang="pt-PT" sz="4000" dirty="0" smtClean="0"/>
+              <a:rPr lang="pt-PT" sz="4000" dirty="0"/>
               <a:t>Arquitetura</a:t>
             </a:r>
             <a:endParaRPr lang="pt-PT" dirty="0"/>
@@ -9149,13 +9127,6 @@
   <p:clrMapOvr>
     <a:masterClrMapping/>
   </p:clrMapOvr>
-  <p:timing>
-    <p:tnLst>
-      <p:par>
-        <p:cTn id="1" dur="indefinite" restart="never" nodeType="tmRoot"/>
-      </p:par>
-    </p:tnLst>
-  </p:timing>
 </p:sld>
 </file>
 
@@ -9206,7 +9177,7 @@
           <p:cNvPr id="71" name="Picture 70">
             <a:extLst>
               <a:ext uri="{FF2B5EF4-FFF2-40B4-BE49-F238E27FC236}">
-                <a16:creationId xmlns:a16="http://schemas.microsoft.com/office/drawing/2014/main" xmlns="" id="{7594FC8B-8CD2-407F-94F1-9C71F5AEC2B6}"/>
+                <a16:creationId xmlns:a16="http://schemas.microsoft.com/office/drawing/2014/main" id="{7594FC8B-8CD2-407F-94F1-9C71F5AEC2B6}"/>
               </a:ext>
             </a:extLst>
           </p:cNvPr>
@@ -9216,7 +9187,7 @@
           <p:nvPr>
             <p:extLst>
               <p:ext uri="{386F3935-93C4-4BCD-93E2-E3B085C9AB24}">
-                <p16:designElem xmlns:p16="http://schemas.microsoft.com/office/powerpoint/2015/main" xmlns="" val="1"/>
+                <p16:designElem xmlns:p16="http://schemas.microsoft.com/office/powerpoint/2015/main" val="1"/>
               </p:ext>
             </p:extLst>
           </p:nvPr>
@@ -9247,7 +9218,7 @@
           <p:cNvPr id="73" name="Picture 72">
             <a:extLst>
               <a:ext uri="{FF2B5EF4-FFF2-40B4-BE49-F238E27FC236}">
-                <a16:creationId xmlns:a16="http://schemas.microsoft.com/office/drawing/2014/main" xmlns="" id="{DBABC971-8D40-4A4F-AC60-28B9172789B9}"/>
+                <a16:creationId xmlns:a16="http://schemas.microsoft.com/office/drawing/2014/main" id="{DBABC971-8D40-4A4F-AC60-28B9172789B9}"/>
               </a:ext>
             </a:extLst>
           </p:cNvPr>
@@ -9257,7 +9228,7 @@
           <p:nvPr>
             <p:extLst>
               <p:ext uri="{386F3935-93C4-4BCD-93E2-E3B085C9AB24}">
-                <p16:designElem xmlns:p16="http://schemas.microsoft.com/office/powerpoint/2015/main" xmlns="" val="1"/>
+                <p16:designElem xmlns:p16="http://schemas.microsoft.com/office/powerpoint/2015/main" val="1"/>
               </p:ext>
             </p:extLst>
           </p:nvPr>
@@ -9288,7 +9259,7 @@
           <p:cNvPr id="75" name="Oval 74">
             <a:extLst>
               <a:ext uri="{FF2B5EF4-FFF2-40B4-BE49-F238E27FC236}">
-                <a16:creationId xmlns:a16="http://schemas.microsoft.com/office/drawing/2014/main" xmlns="" id="{B9C04DC5-313B-4FE4-B868-5672A376419F}"/>
+                <a16:creationId xmlns:a16="http://schemas.microsoft.com/office/drawing/2014/main" id="{B9C04DC5-313B-4FE4-B868-5672A376419F}"/>
               </a:ext>
             </a:extLst>
           </p:cNvPr>
@@ -9298,7 +9269,7 @@
           <p:nvPr>
             <p:extLst>
               <p:ext uri="{386F3935-93C4-4BCD-93E2-E3B085C9AB24}">
-                <p16:designElem xmlns:p16="http://schemas.microsoft.com/office/powerpoint/2015/main" xmlns="" val="1"/>
+                <p16:designElem xmlns:p16="http://schemas.microsoft.com/office/powerpoint/2015/main" val="1"/>
               </p:ext>
             </p:extLst>
           </p:nvPr>
@@ -9365,7 +9336,7 @@
           <p:cNvPr id="77" name="Picture 76">
             <a:extLst>
               <a:ext uri="{FF2B5EF4-FFF2-40B4-BE49-F238E27FC236}">
-                <a16:creationId xmlns:a16="http://schemas.microsoft.com/office/drawing/2014/main" xmlns="" id="{791AE23E-90C9-4963-96E2-8DADBFC3BC09}"/>
+                <a16:creationId xmlns:a16="http://schemas.microsoft.com/office/drawing/2014/main" id="{791AE23E-90C9-4963-96E2-8DADBFC3BC09}"/>
               </a:ext>
             </a:extLst>
           </p:cNvPr>
@@ -9375,7 +9346,7 @@
           <p:nvPr>
             <p:extLst>
               <p:ext uri="{386F3935-93C4-4BCD-93E2-E3B085C9AB24}">
-                <p16:designElem xmlns:p16="http://schemas.microsoft.com/office/powerpoint/2015/main" xmlns="" val="1"/>
+                <p16:designElem xmlns:p16="http://schemas.microsoft.com/office/powerpoint/2015/main" val="1"/>
               </p:ext>
             </p:extLst>
           </p:nvPr>
@@ -9406,7 +9377,7 @@
           <p:cNvPr id="79" name="Picture 78">
             <a:extLst>
               <a:ext uri="{FF2B5EF4-FFF2-40B4-BE49-F238E27FC236}">
-                <a16:creationId xmlns:a16="http://schemas.microsoft.com/office/drawing/2014/main" xmlns="" id="{C5F93E90-4379-4AAC-B021-E5FA6D974AED}"/>
+                <a16:creationId xmlns:a16="http://schemas.microsoft.com/office/drawing/2014/main" id="{C5F93E90-4379-4AAC-B021-E5FA6D974AED}"/>
               </a:ext>
             </a:extLst>
           </p:cNvPr>
@@ -9416,7 +9387,7 @@
           <p:nvPr>
             <p:extLst>
               <p:ext uri="{386F3935-93C4-4BCD-93E2-E3B085C9AB24}">
-                <p16:designElem xmlns:p16="http://schemas.microsoft.com/office/powerpoint/2015/main" xmlns="" val="1"/>
+                <p16:designElem xmlns:p16="http://schemas.microsoft.com/office/powerpoint/2015/main" val="1"/>
               </p:ext>
             </p:extLst>
           </p:nvPr>
@@ -9447,7 +9418,7 @@
           <p:cNvPr id="81" name="Rectangle 80">
             <a:extLst>
               <a:ext uri="{FF2B5EF4-FFF2-40B4-BE49-F238E27FC236}">
-                <a16:creationId xmlns:a16="http://schemas.microsoft.com/office/drawing/2014/main" xmlns="" id="{329FDD08-42D8-4AFF-90E5-5DAA5BC4CBD8}"/>
+                <a16:creationId xmlns:a16="http://schemas.microsoft.com/office/drawing/2014/main" id="{329FDD08-42D8-4AFF-90E5-5DAA5BC4CBD8}"/>
               </a:ext>
             </a:extLst>
           </p:cNvPr>
@@ -9457,7 +9428,7 @@
           <p:nvPr>
             <p:extLst>
               <p:ext uri="{386F3935-93C4-4BCD-93E2-E3B085C9AB24}">
-                <p16:designElem xmlns:p16="http://schemas.microsoft.com/office/powerpoint/2015/main" xmlns="" val="1"/>
+                <p16:designElem xmlns:p16="http://schemas.microsoft.com/office/powerpoint/2015/main" val="1"/>
               </p:ext>
             </p:extLst>
           </p:nvPr>
@@ -9497,7 +9468,7 @@
           <p:cNvPr id="83" name="Rectangle 82">
             <a:extLst>
               <a:ext uri="{FF2B5EF4-FFF2-40B4-BE49-F238E27FC236}">
-                <a16:creationId xmlns:a16="http://schemas.microsoft.com/office/drawing/2014/main" xmlns="" id="{58E5A035-23A3-4720-BB93-54574C24F8EC}"/>
+                <a16:creationId xmlns:a16="http://schemas.microsoft.com/office/drawing/2014/main" id="{58E5A035-23A3-4720-BB93-54574C24F8EC}"/>
               </a:ext>
             </a:extLst>
           </p:cNvPr>
@@ -9507,7 +9478,7 @@
           <p:nvPr>
             <p:extLst>
               <p:ext uri="{386F3935-93C4-4BCD-93E2-E3B085C9AB24}">
-                <p16:designElem xmlns:p16="http://schemas.microsoft.com/office/powerpoint/2015/main" xmlns="" val="1"/>
+                <p16:designElem xmlns:p16="http://schemas.microsoft.com/office/powerpoint/2015/main" val="1"/>
               </p:ext>
             </p:extLst>
           </p:nvPr>
@@ -9557,7 +9528,7 @@
           <p:cNvPr id="85" name="Rectangle 84">
             <a:extLst>
               <a:ext uri="{FF2B5EF4-FFF2-40B4-BE49-F238E27FC236}">
-                <a16:creationId xmlns:a16="http://schemas.microsoft.com/office/drawing/2014/main" xmlns="" id="{E3D6803B-AEC6-4CD2-86EF-E591BD2FD12C}"/>
+                <a16:creationId xmlns:a16="http://schemas.microsoft.com/office/drawing/2014/main" id="{E3D6803B-AEC6-4CD2-86EF-E591BD2FD12C}"/>
               </a:ext>
             </a:extLst>
           </p:cNvPr>
@@ -9567,7 +9538,7 @@
           <p:nvPr>
             <p:extLst>
               <p:ext uri="{386F3935-93C4-4BCD-93E2-E3B085C9AB24}">
-                <p16:designElem xmlns:p16="http://schemas.microsoft.com/office/powerpoint/2015/main" xmlns="" val="1"/>
+                <p16:designElem xmlns:p16="http://schemas.microsoft.com/office/powerpoint/2015/main" val="1"/>
               </p:ext>
             </p:extLst>
           </p:nvPr>
@@ -9614,7 +9585,7 @@
           <p:cNvPr id="89" name="Freeform 16">
             <a:extLst>
               <a:ext uri="{FF2B5EF4-FFF2-40B4-BE49-F238E27FC236}">
-                <a16:creationId xmlns:a16="http://schemas.microsoft.com/office/drawing/2014/main" xmlns="" id="{CABE022E-1488-4DA5-89B5-07646B3A2FA9}"/>
+                <a16:creationId xmlns:a16="http://schemas.microsoft.com/office/drawing/2014/main" id="{CABE022E-1488-4DA5-89B5-07646B3A2FA9}"/>
               </a:ext>
             </a:extLst>
           </p:cNvPr>
@@ -9624,7 +9595,7 @@
           <p:nvPr>
             <p:extLst>
               <p:ext uri="{386F3935-93C4-4BCD-93E2-E3B085C9AB24}">
-                <p16:designElem xmlns:p16="http://schemas.microsoft.com/office/powerpoint/2015/main" xmlns="" val="1"/>
+                <p16:designElem xmlns:p16="http://schemas.microsoft.com/office/powerpoint/2015/main" val="1"/>
               </p:ext>
             </p:extLst>
           </p:nvPr>
@@ -9975,7 +9946,7 @@
           <p:cNvPr id="91" name="Freeform 5">
             <a:extLst>
               <a:ext uri="{FF2B5EF4-FFF2-40B4-BE49-F238E27FC236}">
-                <a16:creationId xmlns:a16="http://schemas.microsoft.com/office/drawing/2014/main" xmlns="" id="{80B51C95-9EBC-4AA5-AC2C-3F053E14DE25}"/>
+                <a16:creationId xmlns:a16="http://schemas.microsoft.com/office/drawing/2014/main" id="{80B51C95-9EBC-4AA5-AC2C-3F053E14DE25}"/>
               </a:ext>
             </a:extLst>
           </p:cNvPr>
@@ -9985,7 +9956,7 @@
           <p:nvPr>
             <p:extLst>
               <p:ext uri="{386F3935-93C4-4BCD-93E2-E3B085C9AB24}">
-                <p16:designElem xmlns:p16="http://schemas.microsoft.com/office/powerpoint/2015/main" xmlns="" val="1"/>
+                <p16:designElem xmlns:p16="http://schemas.microsoft.com/office/powerpoint/2015/main" val="1"/>
               </p:ext>
             </p:extLst>
           </p:nvPr>
@@ -10170,7 +10141,7 @@
           <p:cNvPr id="2" name="Title 1">
             <a:extLst>
               <a:ext uri="{FF2B5EF4-FFF2-40B4-BE49-F238E27FC236}">
-                <a16:creationId xmlns:a16="http://schemas.microsoft.com/office/drawing/2014/main" xmlns="" id="{60D6F111-D108-453E-98D0-12EABF86718F}"/>
+                <a16:creationId xmlns:a16="http://schemas.microsoft.com/office/drawing/2014/main" id="{60D6F111-D108-453E-98D0-12EABF86718F}"/>
               </a:ext>
             </a:extLst>
           </p:cNvPr>
@@ -10194,10 +10165,9 @@
           <a:lstStyle/>
           <a:p>
             <a:r>
-              <a:rPr lang="pt-PT" sz="6600" dirty="0" smtClean="0"/>
+              <a:rPr lang="pt-PT" sz="6600" dirty="0"/>
               <a:t>Modelo Funcionamento</a:t>
             </a:r>
-            <a:endParaRPr lang="pt-PT" sz="6600" dirty="0"/>
           </a:p>
         </p:txBody>
       </p:sp>
@@ -10234,13 +10204,6 @@
   <p:clrMapOvr>
     <a:masterClrMapping/>
   </p:clrMapOvr>
-  <p:timing>
-    <p:tnLst>
-      <p:par>
-        <p:cTn id="1" dur="indefinite" restart="never" nodeType="tmRoot"/>
-      </p:par>
-    </p:tnLst>
-  </p:timing>
 </p:sld>
 </file>
 
@@ -10291,7 +10254,7 @@
           <p:cNvPr id="10" name="Picture 9">
             <a:extLst>
               <a:ext uri="{FF2B5EF4-FFF2-40B4-BE49-F238E27FC236}">
-                <a16:creationId xmlns:a16="http://schemas.microsoft.com/office/drawing/2014/main" xmlns="" id="{7594FC8B-8CD2-407F-94F1-9C71F5AEC2B6}"/>
+                <a16:creationId xmlns:a16="http://schemas.microsoft.com/office/drawing/2014/main" id="{7594FC8B-8CD2-407F-94F1-9C71F5AEC2B6}"/>
               </a:ext>
             </a:extLst>
           </p:cNvPr>
@@ -10301,7 +10264,7 @@
           <p:nvPr>
             <p:extLst>
               <p:ext uri="{386F3935-93C4-4BCD-93E2-E3B085C9AB24}">
-                <p16:designElem xmlns:p16="http://schemas.microsoft.com/office/powerpoint/2015/main" xmlns="" val="1"/>
+                <p16:designElem xmlns:p16="http://schemas.microsoft.com/office/powerpoint/2015/main" val="1"/>
               </p:ext>
             </p:extLst>
           </p:nvPr>
@@ -10332,7 +10295,7 @@
           <p:cNvPr id="12" name="Picture 11">
             <a:extLst>
               <a:ext uri="{FF2B5EF4-FFF2-40B4-BE49-F238E27FC236}">
-                <a16:creationId xmlns:a16="http://schemas.microsoft.com/office/drawing/2014/main" xmlns="" id="{DBABC971-8D40-4A4F-AC60-28B9172789B9}"/>
+                <a16:creationId xmlns:a16="http://schemas.microsoft.com/office/drawing/2014/main" id="{DBABC971-8D40-4A4F-AC60-28B9172789B9}"/>
               </a:ext>
             </a:extLst>
           </p:cNvPr>
@@ -10342,7 +10305,7 @@
           <p:nvPr>
             <p:extLst>
               <p:ext uri="{386F3935-93C4-4BCD-93E2-E3B085C9AB24}">
-                <p16:designElem xmlns:p16="http://schemas.microsoft.com/office/powerpoint/2015/main" xmlns="" val="1"/>
+                <p16:designElem xmlns:p16="http://schemas.microsoft.com/office/powerpoint/2015/main" val="1"/>
               </p:ext>
             </p:extLst>
           </p:nvPr>
@@ -10373,7 +10336,7 @@
           <p:cNvPr id="14" name="Oval 13">
             <a:extLst>
               <a:ext uri="{FF2B5EF4-FFF2-40B4-BE49-F238E27FC236}">
-                <a16:creationId xmlns:a16="http://schemas.microsoft.com/office/drawing/2014/main" xmlns="" id="{B9C04DC5-313B-4FE4-B868-5672A376419F}"/>
+                <a16:creationId xmlns:a16="http://schemas.microsoft.com/office/drawing/2014/main" id="{B9C04DC5-313B-4FE4-B868-5672A376419F}"/>
               </a:ext>
             </a:extLst>
           </p:cNvPr>
@@ -10383,7 +10346,7 @@
           <p:nvPr>
             <p:extLst>
               <p:ext uri="{386F3935-93C4-4BCD-93E2-E3B085C9AB24}">
-                <p16:designElem xmlns:p16="http://schemas.microsoft.com/office/powerpoint/2015/main" xmlns="" val="1"/>
+                <p16:designElem xmlns:p16="http://schemas.microsoft.com/office/powerpoint/2015/main" val="1"/>
               </p:ext>
             </p:extLst>
           </p:nvPr>
@@ -10450,7 +10413,7 @@
           <p:cNvPr id="16" name="Picture 15">
             <a:extLst>
               <a:ext uri="{FF2B5EF4-FFF2-40B4-BE49-F238E27FC236}">
-                <a16:creationId xmlns:a16="http://schemas.microsoft.com/office/drawing/2014/main" xmlns="" id="{791AE23E-90C9-4963-96E2-8DADBFC3BC09}"/>
+                <a16:creationId xmlns:a16="http://schemas.microsoft.com/office/drawing/2014/main" id="{791AE23E-90C9-4963-96E2-8DADBFC3BC09}"/>
               </a:ext>
             </a:extLst>
           </p:cNvPr>
@@ -10460,7 +10423,7 @@
           <p:nvPr>
             <p:extLst>
               <p:ext uri="{386F3935-93C4-4BCD-93E2-E3B085C9AB24}">
-                <p16:designElem xmlns:p16="http://schemas.microsoft.com/office/powerpoint/2015/main" xmlns="" val="1"/>
+                <p16:designElem xmlns:p16="http://schemas.microsoft.com/office/powerpoint/2015/main" val="1"/>
               </p:ext>
             </p:extLst>
           </p:nvPr>
@@ -10491,7 +10454,7 @@
           <p:cNvPr id="18" name="Picture 17">
             <a:extLst>
               <a:ext uri="{FF2B5EF4-FFF2-40B4-BE49-F238E27FC236}">
-                <a16:creationId xmlns:a16="http://schemas.microsoft.com/office/drawing/2014/main" xmlns="" id="{C5F93E90-4379-4AAC-B021-E5FA6D974AED}"/>
+                <a16:creationId xmlns:a16="http://schemas.microsoft.com/office/drawing/2014/main" id="{C5F93E90-4379-4AAC-B021-E5FA6D974AED}"/>
               </a:ext>
             </a:extLst>
           </p:cNvPr>
@@ -10501,7 +10464,7 @@
           <p:nvPr>
             <p:extLst>
               <p:ext uri="{386F3935-93C4-4BCD-93E2-E3B085C9AB24}">
-                <p16:designElem xmlns:p16="http://schemas.microsoft.com/office/powerpoint/2015/main" xmlns="" val="1"/>
+                <p16:designElem xmlns:p16="http://schemas.microsoft.com/office/powerpoint/2015/main" val="1"/>
               </p:ext>
             </p:extLst>
           </p:nvPr>
@@ -10532,7 +10495,7 @@
           <p:cNvPr id="22" name="Rectangle 21">
             <a:extLst>
               <a:ext uri="{FF2B5EF4-FFF2-40B4-BE49-F238E27FC236}">
-                <a16:creationId xmlns:a16="http://schemas.microsoft.com/office/drawing/2014/main" xmlns="" id="{C9583823-2AA3-46EB-A803-287EC900BC41}"/>
+                <a16:creationId xmlns:a16="http://schemas.microsoft.com/office/drawing/2014/main" id="{C9583823-2AA3-46EB-A803-287EC900BC41}"/>
               </a:ext>
             </a:extLst>
           </p:cNvPr>
@@ -10542,7 +10505,7 @@
           <p:nvPr>
             <p:extLst>
               <p:ext uri="{386F3935-93C4-4BCD-93E2-E3B085C9AB24}">
-                <p16:designElem xmlns:p16="http://schemas.microsoft.com/office/powerpoint/2015/main" xmlns="" val="1"/>
+                <p16:designElem xmlns:p16="http://schemas.microsoft.com/office/powerpoint/2015/main" val="1"/>
               </p:ext>
             </p:extLst>
           </p:nvPr>
@@ -10592,7 +10555,7 @@
           <p:cNvPr id="24" name="Freeform 36">
             <a:extLst>
               <a:ext uri="{FF2B5EF4-FFF2-40B4-BE49-F238E27FC236}">
-                <a16:creationId xmlns:a16="http://schemas.microsoft.com/office/drawing/2014/main" xmlns="" id="{CA87D9D8-42FB-4157-A365-AD97CC6BAFEC}"/>
+                <a16:creationId xmlns:a16="http://schemas.microsoft.com/office/drawing/2014/main" id="{CA87D9D8-42FB-4157-A365-AD97CC6BAFEC}"/>
               </a:ext>
             </a:extLst>
           </p:cNvPr>
@@ -10602,7 +10565,7 @@
           <p:nvPr>
             <p:extLst>
               <p:ext uri="{386F3935-93C4-4BCD-93E2-E3B085C9AB24}">
-                <p16:designElem xmlns:p16="http://schemas.microsoft.com/office/powerpoint/2015/main" xmlns="" val="1"/>
+                <p16:designElem xmlns:p16="http://schemas.microsoft.com/office/powerpoint/2015/main" val="1"/>
               </p:ext>
             </p:extLst>
           </p:nvPr>
@@ -10941,7 +10904,7 @@
           <p:cNvPr id="26" name="Freeform 5">
             <a:extLst>
               <a:ext uri="{FF2B5EF4-FFF2-40B4-BE49-F238E27FC236}">
-                <a16:creationId xmlns:a16="http://schemas.microsoft.com/office/drawing/2014/main" xmlns="" id="{2E6028E3-4806-4E1D-A24F-F8166F67F411}"/>
+                <a16:creationId xmlns:a16="http://schemas.microsoft.com/office/drawing/2014/main" id="{2E6028E3-4806-4E1D-A24F-F8166F67F411}"/>
               </a:ext>
             </a:extLst>
           </p:cNvPr>
@@ -10951,7 +10914,7 @@
           <p:nvPr>
             <p:extLst>
               <p:ext uri="{386F3935-93C4-4BCD-93E2-E3B085C9AB24}">
-                <p16:designElem xmlns:p16="http://schemas.microsoft.com/office/powerpoint/2015/main" xmlns="" val="1"/>
+                <p16:designElem xmlns:p16="http://schemas.microsoft.com/office/powerpoint/2015/main" val="1"/>
               </p:ext>
             </p:extLst>
           </p:nvPr>
@@ -11139,7 +11102,7 @@
           <p:cNvPr id="2" name="Title 1">
             <a:extLst>
               <a:ext uri="{FF2B5EF4-FFF2-40B4-BE49-F238E27FC236}">
-                <a16:creationId xmlns:a16="http://schemas.microsoft.com/office/drawing/2014/main" xmlns="" id="{99D594B5-74AF-41A9-8CF3-390984D23CC0}"/>
+                <a16:creationId xmlns:a16="http://schemas.microsoft.com/office/drawing/2014/main" id="{99D594B5-74AF-41A9-8CF3-390984D23CC0}"/>
               </a:ext>
             </a:extLst>
           </p:cNvPr>
@@ -11163,7 +11126,7 @@
           <a:lstStyle/>
           <a:p>
             <a:r>
-              <a:rPr lang="en-US" sz="5400" dirty="0" err="1" smtClean="0"/>
+              <a:rPr lang="en-US" sz="5400" dirty="0" err="1"/>
               <a:t>Mininet</a:t>
             </a:r>
             <a:endParaRPr lang="en-US" sz="5400" dirty="0"/>
@@ -11175,7 +11138,7 @@
           <p:cNvPr id="15" name="Content Placeholder 2">
             <a:extLst>
               <a:ext uri="{FF2B5EF4-FFF2-40B4-BE49-F238E27FC236}">
-                <a16:creationId xmlns:a16="http://schemas.microsoft.com/office/drawing/2014/main" xmlns="" id="{B1C81A90-71C0-46AB-BE37-055D5CD6006C}"/>
+                <a16:creationId xmlns:a16="http://schemas.microsoft.com/office/drawing/2014/main" id="{B1C81A90-71C0-46AB-BE37-055D5CD6006C}"/>
               </a:ext>
             </a:extLst>
           </p:cNvPr>
@@ -11399,16 +11362,15 @@
           </a:lstStyle>
           <a:p>
             <a:r>
-              <a:rPr lang="pt-PT" dirty="0" smtClean="0"/>
+              <a:rPr lang="pt-PT" dirty="0"/>
               <a:t>Gerar rede virtual</a:t>
             </a:r>
           </a:p>
           <a:p>
             <a:r>
-              <a:rPr lang="pt-PT" dirty="0" smtClean="0"/>
+              <a:rPr lang="pt-PT" dirty="0"/>
               <a:t>Testes comunicação</a:t>
             </a:r>
-            <a:endParaRPr lang="pt-PT" dirty="0" smtClean="0"/>
           </a:p>
           <a:p>
             <a:endParaRPr lang="pt-PT" dirty="0"/>
@@ -11468,13 +11430,6 @@
   <p:clrMapOvr>
     <a:masterClrMapping/>
   </p:clrMapOvr>
-  <p:timing>
-    <p:tnLst>
-      <p:par>
-        <p:cTn id="1" dur="indefinite" restart="never" nodeType="tmRoot"/>
-      </p:par>
-    </p:tnLst>
-  </p:timing>
 </p:sld>
 </file>
 
@@ -11500,7 +11455,7 @@
           <p:cNvPr id="10" name="Picture 9">
             <a:extLst>
               <a:ext uri="{FF2B5EF4-FFF2-40B4-BE49-F238E27FC236}">
-                <a16:creationId xmlns:a16="http://schemas.microsoft.com/office/drawing/2014/main" xmlns="" id="{7594FC8B-8CD2-407F-94F1-9C71F5AEC2B6}"/>
+                <a16:creationId xmlns:a16="http://schemas.microsoft.com/office/drawing/2014/main" id="{7594FC8B-8CD2-407F-94F1-9C71F5AEC2B6}"/>
               </a:ext>
             </a:extLst>
           </p:cNvPr>
@@ -11510,7 +11465,7 @@
           <p:nvPr>
             <p:extLst>
               <p:ext uri="{386F3935-93C4-4BCD-93E2-E3B085C9AB24}">
-                <p16:designElem xmlns:p16="http://schemas.microsoft.com/office/powerpoint/2015/main" xmlns="" val="1"/>
+                <p16:designElem xmlns:p16="http://schemas.microsoft.com/office/powerpoint/2015/main" val="1"/>
               </p:ext>
             </p:extLst>
           </p:nvPr>
@@ -11541,7 +11496,7 @@
           <p:cNvPr id="12" name="Picture 11">
             <a:extLst>
               <a:ext uri="{FF2B5EF4-FFF2-40B4-BE49-F238E27FC236}">
-                <a16:creationId xmlns:a16="http://schemas.microsoft.com/office/drawing/2014/main" xmlns="" id="{DBABC971-8D40-4A4F-AC60-28B9172789B9}"/>
+                <a16:creationId xmlns:a16="http://schemas.microsoft.com/office/drawing/2014/main" id="{DBABC971-8D40-4A4F-AC60-28B9172789B9}"/>
               </a:ext>
             </a:extLst>
           </p:cNvPr>
@@ -11551,7 +11506,7 @@
           <p:nvPr>
             <p:extLst>
               <p:ext uri="{386F3935-93C4-4BCD-93E2-E3B085C9AB24}">
-                <p16:designElem xmlns:p16="http://schemas.microsoft.com/office/powerpoint/2015/main" xmlns="" val="1"/>
+                <p16:designElem xmlns:p16="http://schemas.microsoft.com/office/powerpoint/2015/main" val="1"/>
               </p:ext>
             </p:extLst>
           </p:nvPr>
@@ -11582,7 +11537,7 @@
           <p:cNvPr id="14" name="Oval 13">
             <a:extLst>
               <a:ext uri="{FF2B5EF4-FFF2-40B4-BE49-F238E27FC236}">
-                <a16:creationId xmlns:a16="http://schemas.microsoft.com/office/drawing/2014/main" xmlns="" id="{B9C04DC5-313B-4FE4-B868-5672A376419F}"/>
+                <a16:creationId xmlns:a16="http://schemas.microsoft.com/office/drawing/2014/main" id="{B9C04DC5-313B-4FE4-B868-5672A376419F}"/>
               </a:ext>
             </a:extLst>
           </p:cNvPr>
@@ -11592,7 +11547,7 @@
           <p:nvPr>
             <p:extLst>
               <p:ext uri="{386F3935-93C4-4BCD-93E2-E3B085C9AB24}">
-                <p16:designElem xmlns:p16="http://schemas.microsoft.com/office/powerpoint/2015/main" xmlns="" val="1"/>
+                <p16:designElem xmlns:p16="http://schemas.microsoft.com/office/powerpoint/2015/main" val="1"/>
               </p:ext>
             </p:extLst>
           </p:nvPr>
@@ -11659,7 +11614,7 @@
           <p:cNvPr id="16" name="Picture 15">
             <a:extLst>
               <a:ext uri="{FF2B5EF4-FFF2-40B4-BE49-F238E27FC236}">
-                <a16:creationId xmlns:a16="http://schemas.microsoft.com/office/drawing/2014/main" xmlns="" id="{791AE23E-90C9-4963-96E2-8DADBFC3BC09}"/>
+                <a16:creationId xmlns:a16="http://schemas.microsoft.com/office/drawing/2014/main" id="{791AE23E-90C9-4963-96E2-8DADBFC3BC09}"/>
               </a:ext>
             </a:extLst>
           </p:cNvPr>
@@ -11669,7 +11624,7 @@
           <p:nvPr>
             <p:extLst>
               <p:ext uri="{386F3935-93C4-4BCD-93E2-E3B085C9AB24}">
-                <p16:designElem xmlns:p16="http://schemas.microsoft.com/office/powerpoint/2015/main" xmlns="" val="1"/>
+                <p16:designElem xmlns:p16="http://schemas.microsoft.com/office/powerpoint/2015/main" val="1"/>
               </p:ext>
             </p:extLst>
           </p:nvPr>
@@ -11700,7 +11655,7 @@
           <p:cNvPr id="18" name="Picture 17">
             <a:extLst>
               <a:ext uri="{FF2B5EF4-FFF2-40B4-BE49-F238E27FC236}">
-                <a16:creationId xmlns:a16="http://schemas.microsoft.com/office/drawing/2014/main" xmlns="" id="{C5F93E90-4379-4AAC-B021-E5FA6D974AED}"/>
+                <a16:creationId xmlns:a16="http://schemas.microsoft.com/office/drawing/2014/main" id="{C5F93E90-4379-4AAC-B021-E5FA6D974AED}"/>
               </a:ext>
             </a:extLst>
           </p:cNvPr>
@@ -11710,7 +11665,7 @@
           <p:nvPr>
             <p:extLst>
               <p:ext uri="{386F3935-93C4-4BCD-93E2-E3B085C9AB24}">
-                <p16:designElem xmlns:p16="http://schemas.microsoft.com/office/powerpoint/2015/main" xmlns="" val="1"/>
+                <p16:designElem xmlns:p16="http://schemas.microsoft.com/office/powerpoint/2015/main" val="1"/>
               </p:ext>
             </p:extLst>
           </p:nvPr>
@@ -11741,7 +11696,7 @@
           <p:cNvPr id="22" name="Rectangle 21">
             <a:extLst>
               <a:ext uri="{FF2B5EF4-FFF2-40B4-BE49-F238E27FC236}">
-                <a16:creationId xmlns:a16="http://schemas.microsoft.com/office/drawing/2014/main" xmlns="" id="{C9583823-2AA3-46EB-A803-287EC900BC41}"/>
+                <a16:creationId xmlns:a16="http://schemas.microsoft.com/office/drawing/2014/main" id="{C9583823-2AA3-46EB-A803-287EC900BC41}"/>
               </a:ext>
             </a:extLst>
           </p:cNvPr>
@@ -11751,7 +11706,7 @@
           <p:nvPr>
             <p:extLst>
               <p:ext uri="{386F3935-93C4-4BCD-93E2-E3B085C9AB24}">
-                <p16:designElem xmlns:p16="http://schemas.microsoft.com/office/powerpoint/2015/main" xmlns="" val="1"/>
+                <p16:designElem xmlns:p16="http://schemas.microsoft.com/office/powerpoint/2015/main" val="1"/>
               </p:ext>
             </p:extLst>
           </p:nvPr>
@@ -11801,7 +11756,7 @@
           <p:cNvPr id="24" name="Freeform 36">
             <a:extLst>
               <a:ext uri="{FF2B5EF4-FFF2-40B4-BE49-F238E27FC236}">
-                <a16:creationId xmlns:a16="http://schemas.microsoft.com/office/drawing/2014/main" xmlns="" id="{CA87D9D8-42FB-4157-A365-AD97CC6BAFEC}"/>
+                <a16:creationId xmlns:a16="http://schemas.microsoft.com/office/drawing/2014/main" id="{CA87D9D8-42FB-4157-A365-AD97CC6BAFEC}"/>
               </a:ext>
             </a:extLst>
           </p:cNvPr>
@@ -11811,7 +11766,7 @@
           <p:nvPr>
             <p:extLst>
               <p:ext uri="{386F3935-93C4-4BCD-93E2-E3B085C9AB24}">
-                <p16:designElem xmlns:p16="http://schemas.microsoft.com/office/powerpoint/2015/main" xmlns="" val="1"/>
+                <p16:designElem xmlns:p16="http://schemas.microsoft.com/office/powerpoint/2015/main" val="1"/>
               </p:ext>
             </p:extLst>
           </p:nvPr>
@@ -12150,7 +12105,7 @@
           <p:cNvPr id="26" name="Freeform 5">
             <a:extLst>
               <a:ext uri="{FF2B5EF4-FFF2-40B4-BE49-F238E27FC236}">
-                <a16:creationId xmlns:a16="http://schemas.microsoft.com/office/drawing/2014/main" xmlns="" id="{2E6028E3-4806-4E1D-A24F-F8166F67F411}"/>
+                <a16:creationId xmlns:a16="http://schemas.microsoft.com/office/drawing/2014/main" id="{2E6028E3-4806-4E1D-A24F-F8166F67F411}"/>
               </a:ext>
             </a:extLst>
           </p:cNvPr>
@@ -12160,7 +12115,7 @@
           <p:nvPr>
             <p:extLst>
               <p:ext uri="{386F3935-93C4-4BCD-93E2-E3B085C9AB24}">
-                <p16:designElem xmlns:p16="http://schemas.microsoft.com/office/powerpoint/2015/main" xmlns="" val="1"/>
+                <p16:designElem xmlns:p16="http://schemas.microsoft.com/office/powerpoint/2015/main" val="1"/>
               </p:ext>
             </p:extLst>
           </p:nvPr>
@@ -12348,7 +12303,7 @@
           <p:cNvPr id="2" name="Title 1">
             <a:extLst>
               <a:ext uri="{FF2B5EF4-FFF2-40B4-BE49-F238E27FC236}">
-                <a16:creationId xmlns:a16="http://schemas.microsoft.com/office/drawing/2014/main" xmlns="" id="{99D594B5-74AF-41A9-8CF3-390984D23CC0}"/>
+                <a16:creationId xmlns:a16="http://schemas.microsoft.com/office/drawing/2014/main" id="{99D594B5-74AF-41A9-8CF3-390984D23CC0}"/>
               </a:ext>
             </a:extLst>
           </p:cNvPr>
@@ -12372,7 +12327,7 @@
           <a:lstStyle/>
           <a:p>
             <a:r>
-              <a:rPr lang="en-US" sz="5400" dirty="0" err="1" smtClean="0"/>
+              <a:rPr lang="en-US" sz="5400" dirty="0" err="1"/>
               <a:t>OpenDaylight</a:t>
             </a:r>
             <a:endParaRPr lang="en-US" sz="5400" dirty="0"/>
@@ -12384,7 +12339,7 @@
           <p:cNvPr id="17" name="Content Placeholder 2">
             <a:extLst>
               <a:ext uri="{FF2B5EF4-FFF2-40B4-BE49-F238E27FC236}">
-                <a16:creationId xmlns:a16="http://schemas.microsoft.com/office/drawing/2014/main" xmlns="" id="{5E754F74-1A39-44EC-A197-E56116A2B5A3}"/>
+                <a16:creationId xmlns:a16="http://schemas.microsoft.com/office/drawing/2014/main" id="{5E754F74-1A39-44EC-A197-E56116A2B5A3}"/>
               </a:ext>
             </a:extLst>
           </p:cNvPr>
@@ -12608,31 +12563,29 @@
           </a:lstStyle>
           <a:p>
             <a:r>
-              <a:rPr lang="en-US" dirty="0" smtClean="0"/>
+              <a:rPr lang="en-US" dirty="0"/>
               <a:t>SDN Controller</a:t>
             </a:r>
           </a:p>
           <a:p>
             <a:r>
-              <a:rPr lang="en-US" dirty="0" smtClean="0"/>
+              <a:rPr lang="en-US" dirty="0"/>
               <a:t>Network Topology</a:t>
             </a:r>
-            <a:endParaRPr lang="en-US" dirty="0" smtClean="0"/>
           </a:p>
           <a:p>
             <a:r>
-              <a:rPr lang="en-US" dirty="0" smtClean="0"/>
+              <a:rPr lang="en-US" dirty="0"/>
               <a:t>Restful API (</a:t>
             </a:r>
             <a:r>
-              <a:rPr lang="en-US" dirty="0" err="1" smtClean="0"/>
+              <a:rPr lang="en-US" dirty="0" err="1"/>
               <a:t>Yangman</a:t>
             </a:r>
             <a:r>
               <a:rPr lang="en-US" dirty="0"/>
               <a:t>)</a:t>
             </a:r>
-            <a:endParaRPr lang="en-US" dirty="0" smtClean="0"/>
           </a:p>
           <a:p>
             <a:endParaRPr lang="en-US" dirty="0"/>
@@ -12680,13 +12633,6 @@
   <p:clrMapOvr>
     <a:masterClrMapping/>
   </p:clrMapOvr>
-  <p:timing>
-    <p:tnLst>
-      <p:par>
-        <p:cTn id="1" dur="indefinite" restart="never" nodeType="tmRoot"/>
-      </p:par>
-    </p:tnLst>
-  </p:timing>
 </p:sld>
 </file>
 
@@ -12737,7 +12683,7 @@
           <p:cNvPr id="10" name="Picture 9">
             <a:extLst>
               <a:ext uri="{FF2B5EF4-FFF2-40B4-BE49-F238E27FC236}">
-                <a16:creationId xmlns:a16="http://schemas.microsoft.com/office/drawing/2014/main" xmlns="" id="{7594FC8B-8CD2-407F-94F1-9C71F5AEC2B6}"/>
+                <a16:creationId xmlns:a16="http://schemas.microsoft.com/office/drawing/2014/main" id="{7594FC8B-8CD2-407F-94F1-9C71F5AEC2B6}"/>
               </a:ext>
             </a:extLst>
           </p:cNvPr>
@@ -12747,7 +12693,7 @@
           <p:nvPr>
             <p:extLst>
               <p:ext uri="{386F3935-93C4-4BCD-93E2-E3B085C9AB24}">
-                <p16:designElem xmlns:p16="http://schemas.microsoft.com/office/powerpoint/2015/main" xmlns="" val="1"/>
+                <p16:designElem xmlns:p16="http://schemas.microsoft.com/office/powerpoint/2015/main" val="1"/>
               </p:ext>
             </p:extLst>
           </p:nvPr>
@@ -12778,7 +12724,7 @@
           <p:cNvPr id="12" name="Picture 11">
             <a:extLst>
               <a:ext uri="{FF2B5EF4-FFF2-40B4-BE49-F238E27FC236}">
-                <a16:creationId xmlns:a16="http://schemas.microsoft.com/office/drawing/2014/main" xmlns="" id="{DBABC971-8D40-4A4F-AC60-28B9172789B9}"/>
+                <a16:creationId xmlns:a16="http://schemas.microsoft.com/office/drawing/2014/main" id="{DBABC971-8D40-4A4F-AC60-28B9172789B9}"/>
               </a:ext>
             </a:extLst>
           </p:cNvPr>
@@ -12788,7 +12734,7 @@
           <p:nvPr>
             <p:extLst>
               <p:ext uri="{386F3935-93C4-4BCD-93E2-E3B085C9AB24}">
-                <p16:designElem xmlns:p16="http://schemas.microsoft.com/office/powerpoint/2015/main" xmlns="" val="1"/>
+                <p16:designElem xmlns:p16="http://schemas.microsoft.com/office/powerpoint/2015/main" val="1"/>
               </p:ext>
             </p:extLst>
           </p:nvPr>
@@ -12819,7 +12765,7 @@
           <p:cNvPr id="14" name="Oval 13">
             <a:extLst>
               <a:ext uri="{FF2B5EF4-FFF2-40B4-BE49-F238E27FC236}">
-                <a16:creationId xmlns:a16="http://schemas.microsoft.com/office/drawing/2014/main" xmlns="" id="{B9C04DC5-313B-4FE4-B868-5672A376419F}"/>
+                <a16:creationId xmlns:a16="http://schemas.microsoft.com/office/drawing/2014/main" id="{B9C04DC5-313B-4FE4-B868-5672A376419F}"/>
               </a:ext>
             </a:extLst>
           </p:cNvPr>
@@ -12829,7 +12775,7 @@
           <p:nvPr>
             <p:extLst>
               <p:ext uri="{386F3935-93C4-4BCD-93E2-E3B085C9AB24}">
-                <p16:designElem xmlns:p16="http://schemas.microsoft.com/office/powerpoint/2015/main" xmlns="" val="1"/>
+                <p16:designElem xmlns:p16="http://schemas.microsoft.com/office/powerpoint/2015/main" val="1"/>
               </p:ext>
             </p:extLst>
           </p:nvPr>
@@ -12896,7 +12842,7 @@
           <p:cNvPr id="16" name="Picture 15">
             <a:extLst>
               <a:ext uri="{FF2B5EF4-FFF2-40B4-BE49-F238E27FC236}">
-                <a16:creationId xmlns:a16="http://schemas.microsoft.com/office/drawing/2014/main" xmlns="" id="{791AE23E-90C9-4963-96E2-8DADBFC3BC09}"/>
+                <a16:creationId xmlns:a16="http://schemas.microsoft.com/office/drawing/2014/main" id="{791AE23E-90C9-4963-96E2-8DADBFC3BC09}"/>
               </a:ext>
             </a:extLst>
           </p:cNvPr>
@@ -12906,7 +12852,7 @@
           <p:nvPr>
             <p:extLst>
               <p:ext uri="{386F3935-93C4-4BCD-93E2-E3B085C9AB24}">
-                <p16:designElem xmlns:p16="http://schemas.microsoft.com/office/powerpoint/2015/main" xmlns="" val="1"/>
+                <p16:designElem xmlns:p16="http://schemas.microsoft.com/office/powerpoint/2015/main" val="1"/>
               </p:ext>
             </p:extLst>
           </p:nvPr>
@@ -12937,7 +12883,7 @@
           <p:cNvPr id="18" name="Picture 17">
             <a:extLst>
               <a:ext uri="{FF2B5EF4-FFF2-40B4-BE49-F238E27FC236}">
-                <a16:creationId xmlns:a16="http://schemas.microsoft.com/office/drawing/2014/main" xmlns="" id="{C5F93E90-4379-4AAC-B021-E5FA6D974AED}"/>
+                <a16:creationId xmlns:a16="http://schemas.microsoft.com/office/drawing/2014/main" id="{C5F93E90-4379-4AAC-B021-E5FA6D974AED}"/>
               </a:ext>
             </a:extLst>
           </p:cNvPr>
@@ -12947,7 +12893,7 @@
           <p:nvPr>
             <p:extLst>
               <p:ext uri="{386F3935-93C4-4BCD-93E2-E3B085C9AB24}">
-                <p16:designElem xmlns:p16="http://schemas.microsoft.com/office/powerpoint/2015/main" xmlns="" val="1"/>
+                <p16:designElem xmlns:p16="http://schemas.microsoft.com/office/powerpoint/2015/main" val="1"/>
               </p:ext>
             </p:extLst>
           </p:nvPr>
@@ -12978,7 +12924,7 @@
           <p:cNvPr id="22" name="Rectangle 21">
             <a:extLst>
               <a:ext uri="{FF2B5EF4-FFF2-40B4-BE49-F238E27FC236}">
-                <a16:creationId xmlns:a16="http://schemas.microsoft.com/office/drawing/2014/main" xmlns="" id="{C9583823-2AA3-46EB-A803-287EC900BC41}"/>
+                <a16:creationId xmlns:a16="http://schemas.microsoft.com/office/drawing/2014/main" id="{C9583823-2AA3-46EB-A803-287EC900BC41}"/>
               </a:ext>
             </a:extLst>
           </p:cNvPr>
@@ -12988,7 +12934,7 @@
           <p:nvPr>
             <p:extLst>
               <p:ext uri="{386F3935-93C4-4BCD-93E2-E3B085C9AB24}">
-                <p16:designElem xmlns:p16="http://schemas.microsoft.com/office/powerpoint/2015/main" xmlns="" val="1"/>
+                <p16:designElem xmlns:p16="http://schemas.microsoft.com/office/powerpoint/2015/main" val="1"/>
               </p:ext>
             </p:extLst>
           </p:nvPr>
@@ -13038,7 +12984,7 @@
           <p:cNvPr id="24" name="Freeform 36">
             <a:extLst>
               <a:ext uri="{FF2B5EF4-FFF2-40B4-BE49-F238E27FC236}">
-                <a16:creationId xmlns:a16="http://schemas.microsoft.com/office/drawing/2014/main" xmlns="" id="{CA87D9D8-42FB-4157-A365-AD97CC6BAFEC}"/>
+                <a16:creationId xmlns:a16="http://schemas.microsoft.com/office/drawing/2014/main" id="{CA87D9D8-42FB-4157-A365-AD97CC6BAFEC}"/>
               </a:ext>
             </a:extLst>
           </p:cNvPr>
@@ -13048,7 +12994,7 @@
           <p:nvPr>
             <p:extLst>
               <p:ext uri="{386F3935-93C4-4BCD-93E2-E3B085C9AB24}">
-                <p16:designElem xmlns:p16="http://schemas.microsoft.com/office/powerpoint/2015/main" xmlns="" val="1"/>
+                <p16:designElem xmlns:p16="http://schemas.microsoft.com/office/powerpoint/2015/main" val="1"/>
               </p:ext>
             </p:extLst>
           </p:nvPr>
@@ -13387,7 +13333,7 @@
           <p:cNvPr id="26" name="Freeform 5">
             <a:extLst>
               <a:ext uri="{FF2B5EF4-FFF2-40B4-BE49-F238E27FC236}">
-                <a16:creationId xmlns:a16="http://schemas.microsoft.com/office/drawing/2014/main" xmlns="" id="{2E6028E3-4806-4E1D-A24F-F8166F67F411}"/>
+                <a16:creationId xmlns:a16="http://schemas.microsoft.com/office/drawing/2014/main" id="{2E6028E3-4806-4E1D-A24F-F8166F67F411}"/>
               </a:ext>
             </a:extLst>
           </p:cNvPr>
@@ -13397,7 +13343,7 @@
           <p:nvPr>
             <p:extLst>
               <p:ext uri="{386F3935-93C4-4BCD-93E2-E3B085C9AB24}">
-                <p16:designElem xmlns:p16="http://schemas.microsoft.com/office/powerpoint/2015/main" xmlns="" val="1"/>
+                <p16:designElem xmlns:p16="http://schemas.microsoft.com/office/powerpoint/2015/main" val="1"/>
               </p:ext>
             </p:extLst>
           </p:nvPr>
@@ -13585,7 +13531,7 @@
           <p:cNvPr id="2" name="Title 1">
             <a:extLst>
               <a:ext uri="{FF2B5EF4-FFF2-40B4-BE49-F238E27FC236}">
-                <a16:creationId xmlns:a16="http://schemas.microsoft.com/office/drawing/2014/main" xmlns="" id="{99D594B5-74AF-41A9-8CF3-390984D23CC0}"/>
+                <a16:creationId xmlns:a16="http://schemas.microsoft.com/office/drawing/2014/main" id="{99D594B5-74AF-41A9-8CF3-390984D23CC0}"/>
               </a:ext>
             </a:extLst>
           </p:cNvPr>
@@ -13609,10 +13555,9 @@
           <a:lstStyle/>
           <a:p>
             <a:r>
-              <a:rPr lang="en-US" sz="5400" dirty="0" smtClean="0"/>
+              <a:rPr lang="en-US" sz="5400" dirty="0"/>
               <a:t>APP</a:t>
             </a:r>
-            <a:endParaRPr lang="en-US" sz="5400" dirty="0"/>
           </a:p>
         </p:txBody>
       </p:sp>
@@ -13621,7 +13566,7 @@
           <p:cNvPr id="17" name="Content Placeholder 2">
             <a:extLst>
               <a:ext uri="{FF2B5EF4-FFF2-40B4-BE49-F238E27FC236}">
-                <a16:creationId xmlns:a16="http://schemas.microsoft.com/office/drawing/2014/main" xmlns="" id="{5E754F74-1A39-44EC-A197-E56116A2B5A3}"/>
+                <a16:creationId xmlns:a16="http://schemas.microsoft.com/office/drawing/2014/main" id="{5E754F74-1A39-44EC-A197-E56116A2B5A3}"/>
               </a:ext>
             </a:extLst>
           </p:cNvPr>
@@ -13845,43 +13790,42 @@
           </a:lstStyle>
           <a:p>
             <a:r>
-              <a:rPr lang="en-US" dirty="0" smtClean="0"/>
+              <a:rPr lang="en-US" dirty="0"/>
               <a:t>GET</a:t>
             </a:r>
           </a:p>
           <a:p>
             <a:r>
-              <a:rPr lang="en-US" dirty="0" smtClean="0"/>
+              <a:rPr lang="en-US" dirty="0"/>
               <a:t>POST</a:t>
             </a:r>
           </a:p>
           <a:p>
             <a:r>
-              <a:rPr lang="en-US" dirty="0" smtClean="0"/>
+              <a:rPr lang="en-US" dirty="0"/>
               <a:t>PUT</a:t>
             </a:r>
           </a:p>
           <a:p>
             <a:r>
-              <a:rPr lang="en-US" dirty="0" smtClean="0"/>
+              <a:rPr lang="en-US" dirty="0"/>
               <a:t>DELETE</a:t>
             </a:r>
           </a:p>
           <a:p>
-            <a:endParaRPr lang="en-US" dirty="0" smtClean="0"/>
+            <a:endParaRPr lang="en-US" dirty="0"/>
           </a:p>
           <a:p>
             <a:r>
-              <a:rPr lang="en-US" dirty="0" smtClean="0"/>
+              <a:rPr lang="en-US" dirty="0"/>
               <a:t>JSON</a:t>
             </a:r>
           </a:p>
           <a:p>
             <a:r>
-              <a:rPr lang="en-US" dirty="0" smtClean="0"/>
+              <a:rPr lang="en-US" dirty="0"/>
               <a:t>XML</a:t>
             </a:r>
-            <a:endParaRPr lang="en-US" dirty="0"/>
           </a:p>
         </p:txBody>
       </p:sp>
@@ -13928,13 +13872,6 @@
   <p:clrMapOvr>
     <a:masterClrMapping/>
   </p:clrMapOvr>
-  <p:timing>
-    <p:tnLst>
-      <p:par>
-        <p:cTn id="1" dur="indefinite" restart="never" nodeType="tmRoot"/>
-      </p:par>
-    </p:tnLst>
-  </p:timing>
 </p:sld>
 </file>
 
@@ -13960,7 +13897,7 @@
           <p:cNvPr id="2" name="Title 1">
             <a:extLst>
               <a:ext uri="{FF2B5EF4-FFF2-40B4-BE49-F238E27FC236}">
-                <a16:creationId xmlns:a16="http://schemas.microsoft.com/office/drawing/2014/main" xmlns="" id="{2871B57C-5A8B-4B1F-AC5F-B7BF94F049B1}"/>
+                <a16:creationId xmlns:a16="http://schemas.microsoft.com/office/drawing/2014/main" id="{2871B57C-5A8B-4B1F-AC5F-B7BF94F049B1}"/>
               </a:ext>
             </a:extLst>
           </p:cNvPr>
@@ -13977,10 +13914,9 @@
           <a:lstStyle/>
           <a:p>
             <a:r>
-              <a:rPr lang="pt-PT" dirty="0" smtClean="0"/>
+              <a:rPr lang="pt-PT" dirty="0"/>
               <a:t>Dificuldades</a:t>
             </a:r>
-            <a:endParaRPr lang="pt-PT" dirty="0"/>
           </a:p>
         </p:txBody>
       </p:sp>
@@ -13989,7 +13925,7 @@
           <p:cNvPr id="3" name="Content Placeholder 2">
             <a:extLst>
               <a:ext uri="{FF2B5EF4-FFF2-40B4-BE49-F238E27FC236}">
-                <a16:creationId xmlns:a16="http://schemas.microsoft.com/office/drawing/2014/main" xmlns="" id="{826BAAD7-5C2D-4B1A-9C8D-5BFC042FE806}"/>
+                <a16:creationId xmlns:a16="http://schemas.microsoft.com/office/drawing/2014/main" id="{826BAAD7-5C2D-4B1A-9C8D-5BFC042FE806}"/>
               </a:ext>
             </a:extLst>
           </p:cNvPr>
@@ -14013,36 +13949,35 @@
           <a:lstStyle/>
           <a:p>
             <a:r>
-              <a:rPr lang="pt-PT" sz="2400" dirty="0" smtClean="0"/>
+              <a:rPr lang="pt-PT" sz="2400" dirty="0"/>
               <a:t>Escassa documentação (OpenDaylight)</a:t>
             </a:r>
           </a:p>
           <a:p>
-            <a:endParaRPr lang="pt-PT" sz="2400" dirty="0" smtClean="0"/>
+            <a:endParaRPr lang="pt-PT" sz="2400" dirty="0"/>
           </a:p>
           <a:p>
             <a:r>
-              <a:rPr lang="pt-PT" sz="2400" dirty="0" smtClean="0"/>
+              <a:rPr lang="pt-PT" sz="2400" dirty="0"/>
               <a:t>Utilização API (OpenDaylight)</a:t>
             </a:r>
           </a:p>
           <a:p>
-            <a:endParaRPr lang="pt-PT" sz="2400" dirty="0" smtClean="0"/>
+            <a:endParaRPr lang="pt-PT" sz="2400" dirty="0"/>
           </a:p>
           <a:p>
             <a:r>
-              <a:rPr lang="pt-PT" sz="2400" dirty="0" smtClean="0"/>
+              <a:rPr lang="pt-PT" sz="2400" dirty="0"/>
               <a:t>Preenchimento do </a:t>
             </a:r>
             <a:r>
-              <a:rPr lang="pt-PT" sz="2400" dirty="0" err="1" smtClean="0"/>
+              <a:rPr lang="pt-PT" sz="2400" dirty="0" err="1"/>
               <a:t>request</a:t>
             </a:r>
             <a:r>
-              <a:rPr lang="pt-PT" sz="2400" dirty="0" smtClean="0"/>
+              <a:rPr lang="pt-PT" sz="2400" dirty="0"/>
               <a:t> com todos os campos do body</a:t>
             </a:r>
-            <a:endParaRPr lang="pt-PT" sz="2400" dirty="0" smtClean="0"/>
           </a:p>
           <a:p>
             <a:endParaRPr lang="pt-PT" sz="2400" dirty="0"/>
@@ -14059,13 +13994,6 @@
   <p:clrMapOvr>
     <a:masterClrMapping/>
   </p:clrMapOvr>
-  <p:timing>
-    <p:tnLst>
-      <p:par>
-        <p:cTn id="1" dur="indefinite" restart="never" nodeType="tmRoot"/>
-      </p:par>
-    </p:tnLst>
-  </p:timing>
 </p:sld>
 </file>
 
@@ -14091,7 +14019,7 @@
           <p:cNvPr id="2" name="Title 1">
             <a:extLst>
               <a:ext uri="{FF2B5EF4-FFF2-40B4-BE49-F238E27FC236}">
-                <a16:creationId xmlns:a16="http://schemas.microsoft.com/office/drawing/2014/main" xmlns="" id="{2871B57C-5A8B-4B1F-AC5F-B7BF94F049B1}"/>
+                <a16:creationId xmlns:a16="http://schemas.microsoft.com/office/drawing/2014/main" id="{2871B57C-5A8B-4B1F-AC5F-B7BF94F049B1}"/>
               </a:ext>
             </a:extLst>
           </p:cNvPr>
@@ -14109,10 +14037,9 @@
           <a:p>
             <a:pPr algn="ctr"/>
             <a:r>
-              <a:rPr lang="pt-PT" dirty="0" smtClean="0"/>
+              <a:rPr lang="pt-PT" dirty="0"/>
               <a:t>Demonstração</a:t>
             </a:r>
-            <a:endParaRPr lang="pt-PT" dirty="0"/>
           </a:p>
         </p:txBody>
       </p:sp>
@@ -14167,13 +14094,6 @@
   <p:clrMapOvr>
     <a:masterClrMapping/>
   </p:clrMapOvr>
-  <p:timing>
-    <p:tnLst>
-      <p:par>
-        <p:cTn id="1" dur="indefinite" restart="never" nodeType="tmRoot"/>
-      </p:par>
-    </p:tnLst>
-  </p:timing>
 </p:sld>
 </file>
 
